--- a/Ace/Document/Activity.pptx
+++ b/Ace/Document/Activity.pptx
@@ -7,12 +7,13 @@
   <p:sldIdLst>
     <p:sldId id="259" r:id="rId2"/>
     <p:sldId id="257" r:id="rId3"/>
-    <p:sldId id="256" r:id="rId4"/>
-    <p:sldId id="264" r:id="rId5"/>
-    <p:sldId id="260" r:id="rId6"/>
+    <p:sldId id="260" r:id="rId4"/>
+    <p:sldId id="256" r:id="rId5"/>
+    <p:sldId id="264" r:id="rId6"/>
     <p:sldId id="262" r:id="rId7"/>
     <p:sldId id="261" r:id="rId8"/>
     <p:sldId id="263" r:id="rId9"/>
+    <p:sldId id="265" r:id="rId10"/>
   </p:sldIdLst>
   <p:sldSz cx="9144000" cy="6858000" type="screen4x3"/>
   <p:notesSz cx="6858000" cy="9144000"/>
@@ -3399,14 +3400,14 @@
       </p:grpSpPr>
       <p:sp>
         <p:nvSpPr>
-          <p:cNvPr id="4" name="正方形/長方形 3"/>
+          <p:cNvPr id="3" name="正方形/長方形 2"/>
           <p:cNvSpPr/>
           <p:nvPr/>
         </p:nvSpPr>
         <p:spPr>
           <a:xfrm>
-            <a:off x="2952000" y="549000"/>
-            <a:ext cx="3240000" cy="5760000"/>
+            <a:off x="1692000" y="1809000"/>
+            <a:ext cx="5760000" cy="3240000"/>
           </a:xfrm>
           <a:prstGeom prst="rect">
             <a:avLst/>
@@ -3431,20 +3432,726 @@
           <a:lstStyle/>
           <a:p>
             <a:pPr algn="ctr"/>
-            <a:endParaRPr kumimoji="1" lang="ja-JP" altLang="en-US" dirty="0"/>
-          </a:p>
-        </p:txBody>
-      </p:sp>
-      <p:sp>
-        <p:nvSpPr>
-          <p:cNvPr id="5" name="テキスト ボックス 4"/>
+            <a:endParaRPr kumimoji="1" lang="ja-JP" altLang="en-US"/>
+          </a:p>
+        </p:txBody>
+      </p:sp>
+      <p:sp>
+        <p:nvSpPr>
+          <p:cNvPr id="4" name="正方形/長方形 3"/>
+          <p:cNvSpPr/>
+          <p:nvPr/>
+        </p:nvSpPr>
+        <p:spPr>
+          <a:xfrm>
+            <a:off x="1872000" y="1989000"/>
+            <a:ext cx="2880000" cy="2880000"/>
+          </a:xfrm>
+          <a:prstGeom prst="rect">
+            <a:avLst/>
+          </a:prstGeom>
+        </p:spPr>
+        <p:style>
+          <a:lnRef idx="2">
+            <a:schemeClr val="dk1"/>
+          </a:lnRef>
+          <a:fillRef idx="1">
+            <a:schemeClr val="lt1"/>
+          </a:fillRef>
+          <a:effectRef idx="0">
+            <a:schemeClr val="dk1"/>
+          </a:effectRef>
+          <a:fontRef idx="minor">
+            <a:schemeClr val="dk1"/>
+          </a:fontRef>
+        </p:style>
+        <p:txBody>
+          <a:bodyPr rtlCol="0" anchor="ctr"/>
+          <a:lstStyle/>
+          <a:p>
+            <a:pPr algn="ctr"/>
+            <a:endParaRPr kumimoji="1" lang="ja-JP" altLang="en-US"/>
+          </a:p>
+        </p:txBody>
+      </p:sp>
+      <p:sp>
+        <p:nvSpPr>
+          <p:cNvPr id="2" name="正方形/長方形 1"/>
+          <p:cNvSpPr/>
+          <p:nvPr/>
+        </p:nvSpPr>
+        <p:spPr>
+          <a:xfrm>
+            <a:off x="1872000" y="1989000"/>
+            <a:ext cx="720000" cy="720000"/>
+          </a:xfrm>
+          <a:prstGeom prst="rect">
+            <a:avLst/>
+          </a:prstGeom>
+        </p:spPr>
+        <p:style>
+          <a:lnRef idx="2">
+            <a:schemeClr val="dk1"/>
+          </a:lnRef>
+          <a:fillRef idx="1">
+            <a:schemeClr val="lt1"/>
+          </a:fillRef>
+          <a:effectRef idx="0">
+            <a:schemeClr val="dk1"/>
+          </a:effectRef>
+          <a:fontRef idx="minor">
+            <a:schemeClr val="dk1"/>
+          </a:fontRef>
+        </p:style>
+        <p:txBody>
+          <a:bodyPr rtlCol="0" anchor="ctr"/>
+          <a:lstStyle/>
+          <a:p>
+            <a:pPr algn="ctr"/>
+            <a:r>
+              <a:rPr kumimoji="1" lang="en-US" altLang="ja-JP" sz="4000" dirty="0" smtClean="0"/>
+              <a:t>1</a:t>
+            </a:r>
+            <a:endParaRPr kumimoji="1" lang="ja-JP" altLang="en-US" sz="4000" dirty="0"/>
+          </a:p>
+        </p:txBody>
+      </p:sp>
+      <p:sp>
+        <p:nvSpPr>
+          <p:cNvPr id="6" name="正方形/長方形 5"/>
+          <p:cNvSpPr/>
+          <p:nvPr/>
+        </p:nvSpPr>
+        <p:spPr>
+          <a:xfrm>
+            <a:off x="2592000" y="1989000"/>
+            <a:ext cx="720000" cy="720000"/>
+          </a:xfrm>
+          <a:prstGeom prst="rect">
+            <a:avLst/>
+          </a:prstGeom>
+        </p:spPr>
+        <p:style>
+          <a:lnRef idx="2">
+            <a:schemeClr val="dk1"/>
+          </a:lnRef>
+          <a:fillRef idx="1">
+            <a:schemeClr val="lt1"/>
+          </a:fillRef>
+          <a:effectRef idx="0">
+            <a:schemeClr val="dk1"/>
+          </a:effectRef>
+          <a:fontRef idx="minor">
+            <a:schemeClr val="dk1"/>
+          </a:fontRef>
+        </p:style>
+        <p:txBody>
+          <a:bodyPr rtlCol="0" anchor="ctr"/>
+          <a:lstStyle/>
+          <a:p>
+            <a:pPr algn="ctr"/>
+            <a:r>
+              <a:rPr kumimoji="1" lang="en-US" altLang="ja-JP" sz="4000" dirty="0" smtClean="0"/>
+              <a:t>2</a:t>
+            </a:r>
+            <a:endParaRPr kumimoji="1" lang="ja-JP" altLang="en-US" sz="4000" dirty="0"/>
+          </a:p>
+        </p:txBody>
+      </p:sp>
+      <p:sp>
+        <p:nvSpPr>
+          <p:cNvPr id="7" name="正方形/長方形 6"/>
+          <p:cNvSpPr/>
+          <p:nvPr/>
+        </p:nvSpPr>
+        <p:spPr>
+          <a:xfrm>
+            <a:off x="3312000" y="1989000"/>
+            <a:ext cx="720000" cy="720000"/>
+          </a:xfrm>
+          <a:prstGeom prst="rect">
+            <a:avLst/>
+          </a:prstGeom>
+        </p:spPr>
+        <p:style>
+          <a:lnRef idx="2">
+            <a:schemeClr val="dk1"/>
+          </a:lnRef>
+          <a:fillRef idx="1">
+            <a:schemeClr val="lt1"/>
+          </a:fillRef>
+          <a:effectRef idx="0">
+            <a:schemeClr val="dk1"/>
+          </a:effectRef>
+          <a:fontRef idx="minor">
+            <a:schemeClr val="dk1"/>
+          </a:fontRef>
+        </p:style>
+        <p:txBody>
+          <a:bodyPr rtlCol="0" anchor="ctr"/>
+          <a:lstStyle/>
+          <a:p>
+            <a:pPr algn="ctr"/>
+            <a:r>
+              <a:rPr kumimoji="1" lang="en-US" altLang="ja-JP" sz="4000" dirty="0" smtClean="0"/>
+              <a:t>3</a:t>
+            </a:r>
+            <a:endParaRPr kumimoji="1" lang="ja-JP" altLang="en-US" sz="4000" dirty="0"/>
+          </a:p>
+        </p:txBody>
+      </p:sp>
+      <p:sp>
+        <p:nvSpPr>
+          <p:cNvPr id="8" name="正方形/長方形 7"/>
+          <p:cNvSpPr/>
+          <p:nvPr/>
+        </p:nvSpPr>
+        <p:spPr>
+          <a:xfrm>
+            <a:off x="4032000" y="1989000"/>
+            <a:ext cx="720000" cy="720000"/>
+          </a:xfrm>
+          <a:prstGeom prst="rect">
+            <a:avLst/>
+          </a:prstGeom>
+        </p:spPr>
+        <p:style>
+          <a:lnRef idx="2">
+            <a:schemeClr val="dk1"/>
+          </a:lnRef>
+          <a:fillRef idx="1">
+            <a:schemeClr val="lt1"/>
+          </a:fillRef>
+          <a:effectRef idx="0">
+            <a:schemeClr val="dk1"/>
+          </a:effectRef>
+          <a:fontRef idx="minor">
+            <a:schemeClr val="dk1"/>
+          </a:fontRef>
+        </p:style>
+        <p:txBody>
+          <a:bodyPr rtlCol="0" anchor="ctr"/>
+          <a:lstStyle/>
+          <a:p>
+            <a:pPr algn="ctr"/>
+            <a:r>
+              <a:rPr kumimoji="1" lang="en-US" altLang="ja-JP" sz="4000" dirty="0" smtClean="0"/>
+              <a:t>4</a:t>
+            </a:r>
+            <a:endParaRPr kumimoji="1" lang="ja-JP" altLang="en-US" sz="4000" dirty="0"/>
+          </a:p>
+        </p:txBody>
+      </p:sp>
+      <p:sp>
+        <p:nvSpPr>
+          <p:cNvPr id="9" name="正方形/長方形 8"/>
+          <p:cNvSpPr/>
+          <p:nvPr/>
+        </p:nvSpPr>
+        <p:spPr>
+          <a:xfrm>
+            <a:off x="1872000" y="2709000"/>
+            <a:ext cx="720000" cy="720000"/>
+          </a:xfrm>
+          <a:prstGeom prst="rect">
+            <a:avLst/>
+          </a:prstGeom>
+        </p:spPr>
+        <p:style>
+          <a:lnRef idx="2">
+            <a:schemeClr val="dk1"/>
+          </a:lnRef>
+          <a:fillRef idx="1">
+            <a:schemeClr val="lt1"/>
+          </a:fillRef>
+          <a:effectRef idx="0">
+            <a:schemeClr val="dk1"/>
+          </a:effectRef>
+          <a:fontRef idx="minor">
+            <a:schemeClr val="dk1"/>
+          </a:fontRef>
+        </p:style>
+        <p:txBody>
+          <a:bodyPr rtlCol="0" anchor="ctr"/>
+          <a:lstStyle/>
+          <a:p>
+            <a:pPr algn="ctr"/>
+            <a:r>
+              <a:rPr kumimoji="1" lang="en-US" altLang="ja-JP" sz="4000" dirty="0" smtClean="0"/>
+              <a:t>5</a:t>
+            </a:r>
+            <a:endParaRPr kumimoji="1" lang="ja-JP" altLang="en-US" sz="4000" dirty="0"/>
+          </a:p>
+        </p:txBody>
+      </p:sp>
+      <p:sp>
+        <p:nvSpPr>
+          <p:cNvPr id="10" name="正方形/長方形 9"/>
+          <p:cNvSpPr/>
+          <p:nvPr/>
+        </p:nvSpPr>
+        <p:spPr>
+          <a:xfrm>
+            <a:off x="2592000" y="2709000"/>
+            <a:ext cx="720000" cy="720000"/>
+          </a:xfrm>
+          <a:prstGeom prst="rect">
+            <a:avLst/>
+          </a:prstGeom>
+        </p:spPr>
+        <p:style>
+          <a:lnRef idx="2">
+            <a:schemeClr val="dk1"/>
+          </a:lnRef>
+          <a:fillRef idx="1">
+            <a:schemeClr val="lt1"/>
+          </a:fillRef>
+          <a:effectRef idx="0">
+            <a:schemeClr val="dk1"/>
+          </a:effectRef>
+          <a:fontRef idx="minor">
+            <a:schemeClr val="dk1"/>
+          </a:fontRef>
+        </p:style>
+        <p:txBody>
+          <a:bodyPr rtlCol="0" anchor="ctr"/>
+          <a:lstStyle/>
+          <a:p>
+            <a:pPr algn="ctr"/>
+            <a:r>
+              <a:rPr kumimoji="1" lang="en-US" altLang="ja-JP" sz="4000" dirty="0" smtClean="0"/>
+              <a:t>6</a:t>
+            </a:r>
+            <a:endParaRPr kumimoji="1" lang="ja-JP" altLang="en-US" sz="4000" dirty="0"/>
+          </a:p>
+        </p:txBody>
+      </p:sp>
+      <p:sp>
+        <p:nvSpPr>
+          <p:cNvPr id="11" name="正方形/長方形 10"/>
+          <p:cNvSpPr/>
+          <p:nvPr/>
+        </p:nvSpPr>
+        <p:spPr>
+          <a:xfrm>
+            <a:off x="3312000" y="2709000"/>
+            <a:ext cx="720000" cy="720000"/>
+          </a:xfrm>
+          <a:prstGeom prst="rect">
+            <a:avLst/>
+          </a:prstGeom>
+        </p:spPr>
+        <p:style>
+          <a:lnRef idx="2">
+            <a:schemeClr val="dk1"/>
+          </a:lnRef>
+          <a:fillRef idx="1">
+            <a:schemeClr val="lt1"/>
+          </a:fillRef>
+          <a:effectRef idx="0">
+            <a:schemeClr val="dk1"/>
+          </a:effectRef>
+          <a:fontRef idx="minor">
+            <a:schemeClr val="dk1"/>
+          </a:fontRef>
+        </p:style>
+        <p:txBody>
+          <a:bodyPr rtlCol="0" anchor="ctr"/>
+          <a:lstStyle/>
+          <a:p>
+            <a:pPr algn="ctr"/>
+            <a:r>
+              <a:rPr kumimoji="1" lang="en-US" altLang="ja-JP" sz="4000" dirty="0" smtClean="0"/>
+              <a:t>7</a:t>
+            </a:r>
+            <a:endParaRPr kumimoji="1" lang="ja-JP" altLang="en-US" sz="4000" dirty="0"/>
+          </a:p>
+        </p:txBody>
+      </p:sp>
+      <p:sp>
+        <p:nvSpPr>
+          <p:cNvPr id="12" name="正方形/長方形 11"/>
+          <p:cNvSpPr/>
+          <p:nvPr/>
+        </p:nvSpPr>
+        <p:spPr>
+          <a:xfrm>
+            <a:off x="4032000" y="2709000"/>
+            <a:ext cx="720000" cy="720000"/>
+          </a:xfrm>
+          <a:prstGeom prst="rect">
+            <a:avLst/>
+          </a:prstGeom>
+        </p:spPr>
+        <p:style>
+          <a:lnRef idx="2">
+            <a:schemeClr val="dk1"/>
+          </a:lnRef>
+          <a:fillRef idx="1">
+            <a:schemeClr val="lt1"/>
+          </a:fillRef>
+          <a:effectRef idx="0">
+            <a:schemeClr val="dk1"/>
+          </a:effectRef>
+          <a:fontRef idx="minor">
+            <a:schemeClr val="dk1"/>
+          </a:fontRef>
+        </p:style>
+        <p:txBody>
+          <a:bodyPr rtlCol="0" anchor="ctr"/>
+          <a:lstStyle/>
+          <a:p>
+            <a:pPr algn="ctr"/>
+            <a:r>
+              <a:rPr kumimoji="1" lang="en-US" altLang="ja-JP" sz="4000" dirty="0" smtClean="0"/>
+              <a:t>8</a:t>
+            </a:r>
+            <a:endParaRPr kumimoji="1" lang="ja-JP" altLang="en-US" sz="4000" dirty="0"/>
+          </a:p>
+        </p:txBody>
+      </p:sp>
+      <p:sp>
+        <p:nvSpPr>
+          <p:cNvPr id="13" name="正方形/長方形 12"/>
+          <p:cNvSpPr/>
+          <p:nvPr/>
+        </p:nvSpPr>
+        <p:spPr>
+          <a:xfrm>
+            <a:off x="1872000" y="3429000"/>
+            <a:ext cx="720000" cy="720000"/>
+          </a:xfrm>
+          <a:prstGeom prst="rect">
+            <a:avLst/>
+          </a:prstGeom>
+        </p:spPr>
+        <p:style>
+          <a:lnRef idx="2">
+            <a:schemeClr val="dk1"/>
+          </a:lnRef>
+          <a:fillRef idx="1">
+            <a:schemeClr val="lt1"/>
+          </a:fillRef>
+          <a:effectRef idx="0">
+            <a:schemeClr val="dk1"/>
+          </a:effectRef>
+          <a:fontRef idx="minor">
+            <a:schemeClr val="dk1"/>
+          </a:fontRef>
+        </p:style>
+        <p:txBody>
+          <a:bodyPr rtlCol="0" anchor="ctr"/>
+          <a:lstStyle/>
+          <a:p>
+            <a:pPr algn="ctr"/>
+            <a:r>
+              <a:rPr kumimoji="1" lang="en-US" altLang="ja-JP" sz="4000" dirty="0" smtClean="0"/>
+              <a:t>9</a:t>
+            </a:r>
+            <a:endParaRPr kumimoji="1" lang="ja-JP" altLang="en-US" sz="4000" dirty="0"/>
+          </a:p>
+        </p:txBody>
+      </p:sp>
+      <p:sp>
+        <p:nvSpPr>
+          <p:cNvPr id="14" name="正方形/長方形 13"/>
+          <p:cNvSpPr/>
+          <p:nvPr/>
+        </p:nvSpPr>
+        <p:spPr>
+          <a:xfrm>
+            <a:off x="2592000" y="3429000"/>
+            <a:ext cx="720000" cy="720000"/>
+          </a:xfrm>
+          <a:prstGeom prst="rect">
+            <a:avLst/>
+          </a:prstGeom>
+        </p:spPr>
+        <p:style>
+          <a:lnRef idx="2">
+            <a:schemeClr val="dk1"/>
+          </a:lnRef>
+          <a:fillRef idx="1">
+            <a:schemeClr val="lt1"/>
+          </a:fillRef>
+          <a:effectRef idx="0">
+            <a:schemeClr val="dk1"/>
+          </a:effectRef>
+          <a:fontRef idx="minor">
+            <a:schemeClr val="dk1"/>
+          </a:fontRef>
+        </p:style>
+        <p:txBody>
+          <a:bodyPr rtlCol="0" anchor="ctr"/>
+          <a:lstStyle/>
+          <a:p>
+            <a:pPr algn="ctr"/>
+            <a:r>
+              <a:rPr kumimoji="1" lang="en-US" altLang="ja-JP" sz="4000" dirty="0" smtClean="0"/>
+              <a:t>10</a:t>
+            </a:r>
+            <a:endParaRPr kumimoji="1" lang="ja-JP" altLang="en-US" sz="4000" dirty="0"/>
+          </a:p>
+        </p:txBody>
+      </p:sp>
+      <p:sp>
+        <p:nvSpPr>
+          <p:cNvPr id="15" name="正方形/長方形 14"/>
+          <p:cNvSpPr/>
+          <p:nvPr/>
+        </p:nvSpPr>
+        <p:spPr>
+          <a:xfrm>
+            <a:off x="3312000" y="3429000"/>
+            <a:ext cx="720000" cy="720000"/>
+          </a:xfrm>
+          <a:prstGeom prst="rect">
+            <a:avLst/>
+          </a:prstGeom>
+        </p:spPr>
+        <p:style>
+          <a:lnRef idx="2">
+            <a:schemeClr val="dk1"/>
+          </a:lnRef>
+          <a:fillRef idx="1">
+            <a:schemeClr val="lt1"/>
+          </a:fillRef>
+          <a:effectRef idx="0">
+            <a:schemeClr val="dk1"/>
+          </a:effectRef>
+          <a:fontRef idx="minor">
+            <a:schemeClr val="dk1"/>
+          </a:fontRef>
+        </p:style>
+        <p:txBody>
+          <a:bodyPr rtlCol="0" anchor="ctr"/>
+          <a:lstStyle/>
+          <a:p>
+            <a:pPr algn="ctr"/>
+            <a:r>
+              <a:rPr kumimoji="1" lang="en-US" altLang="ja-JP" sz="4000" dirty="0" smtClean="0"/>
+              <a:t>11</a:t>
+            </a:r>
+            <a:endParaRPr kumimoji="1" lang="ja-JP" altLang="en-US" sz="4000" dirty="0"/>
+          </a:p>
+        </p:txBody>
+      </p:sp>
+      <p:sp>
+        <p:nvSpPr>
+          <p:cNvPr id="16" name="正方形/長方形 15"/>
+          <p:cNvSpPr/>
+          <p:nvPr/>
+        </p:nvSpPr>
+        <p:spPr>
+          <a:xfrm>
+            <a:off x="4032000" y="3429000"/>
+            <a:ext cx="720000" cy="720000"/>
+          </a:xfrm>
+          <a:prstGeom prst="rect">
+            <a:avLst/>
+          </a:prstGeom>
+        </p:spPr>
+        <p:style>
+          <a:lnRef idx="2">
+            <a:schemeClr val="dk1"/>
+          </a:lnRef>
+          <a:fillRef idx="1">
+            <a:schemeClr val="lt1"/>
+          </a:fillRef>
+          <a:effectRef idx="0">
+            <a:schemeClr val="dk1"/>
+          </a:effectRef>
+          <a:fontRef idx="minor">
+            <a:schemeClr val="dk1"/>
+          </a:fontRef>
+        </p:style>
+        <p:txBody>
+          <a:bodyPr rtlCol="0" anchor="ctr"/>
+          <a:lstStyle/>
+          <a:p>
+            <a:pPr algn="ctr"/>
+            <a:r>
+              <a:rPr kumimoji="1" lang="en-US" altLang="ja-JP" sz="4000" dirty="0" smtClean="0"/>
+              <a:t>12</a:t>
+            </a:r>
+            <a:endParaRPr kumimoji="1" lang="ja-JP" altLang="en-US" sz="4000" dirty="0"/>
+          </a:p>
+        </p:txBody>
+      </p:sp>
+      <p:sp>
+        <p:nvSpPr>
+          <p:cNvPr id="17" name="正方形/長方形 16"/>
+          <p:cNvSpPr/>
+          <p:nvPr/>
+        </p:nvSpPr>
+        <p:spPr>
+          <a:xfrm>
+            <a:off x="1872000" y="4149000"/>
+            <a:ext cx="720000" cy="720000"/>
+          </a:xfrm>
+          <a:prstGeom prst="rect">
+            <a:avLst/>
+          </a:prstGeom>
+        </p:spPr>
+        <p:style>
+          <a:lnRef idx="2">
+            <a:schemeClr val="dk1"/>
+          </a:lnRef>
+          <a:fillRef idx="1">
+            <a:schemeClr val="lt1"/>
+          </a:fillRef>
+          <a:effectRef idx="0">
+            <a:schemeClr val="dk1"/>
+          </a:effectRef>
+          <a:fontRef idx="minor">
+            <a:schemeClr val="dk1"/>
+          </a:fontRef>
+        </p:style>
+        <p:txBody>
+          <a:bodyPr rtlCol="0" anchor="ctr"/>
+          <a:lstStyle/>
+          <a:p>
+            <a:pPr algn="ctr"/>
+            <a:r>
+              <a:rPr kumimoji="1" lang="en-US" altLang="ja-JP" sz="4000" dirty="0" smtClean="0"/>
+              <a:t>13</a:t>
+            </a:r>
+            <a:endParaRPr kumimoji="1" lang="ja-JP" altLang="en-US" sz="4000" dirty="0"/>
+          </a:p>
+        </p:txBody>
+      </p:sp>
+      <p:sp>
+        <p:nvSpPr>
+          <p:cNvPr id="18" name="正方形/長方形 17"/>
+          <p:cNvSpPr/>
+          <p:nvPr/>
+        </p:nvSpPr>
+        <p:spPr>
+          <a:xfrm>
+            <a:off x="2592000" y="4149000"/>
+            <a:ext cx="720000" cy="720000"/>
+          </a:xfrm>
+          <a:prstGeom prst="rect">
+            <a:avLst/>
+          </a:prstGeom>
+        </p:spPr>
+        <p:style>
+          <a:lnRef idx="2">
+            <a:schemeClr val="dk1"/>
+          </a:lnRef>
+          <a:fillRef idx="1">
+            <a:schemeClr val="lt1"/>
+          </a:fillRef>
+          <a:effectRef idx="0">
+            <a:schemeClr val="dk1"/>
+          </a:effectRef>
+          <a:fontRef idx="minor">
+            <a:schemeClr val="dk1"/>
+          </a:fontRef>
+        </p:style>
+        <p:txBody>
+          <a:bodyPr rtlCol="0" anchor="ctr"/>
+          <a:lstStyle/>
+          <a:p>
+            <a:pPr algn="ctr"/>
+            <a:r>
+              <a:rPr kumimoji="1" lang="en-US" altLang="ja-JP" sz="4000" dirty="0" smtClean="0"/>
+              <a:t>14</a:t>
+            </a:r>
+            <a:endParaRPr kumimoji="1" lang="ja-JP" altLang="en-US" sz="4000" dirty="0"/>
+          </a:p>
+        </p:txBody>
+      </p:sp>
+      <p:sp>
+        <p:nvSpPr>
+          <p:cNvPr id="19" name="正方形/長方形 18"/>
+          <p:cNvSpPr/>
+          <p:nvPr/>
+        </p:nvSpPr>
+        <p:spPr>
+          <a:xfrm>
+            <a:off x="3312000" y="4149000"/>
+            <a:ext cx="720000" cy="720000"/>
+          </a:xfrm>
+          <a:prstGeom prst="rect">
+            <a:avLst/>
+          </a:prstGeom>
+        </p:spPr>
+        <p:style>
+          <a:lnRef idx="2">
+            <a:schemeClr val="dk1"/>
+          </a:lnRef>
+          <a:fillRef idx="1">
+            <a:schemeClr val="lt1"/>
+          </a:fillRef>
+          <a:effectRef idx="0">
+            <a:schemeClr val="dk1"/>
+          </a:effectRef>
+          <a:fontRef idx="minor">
+            <a:schemeClr val="dk1"/>
+          </a:fontRef>
+        </p:style>
+        <p:txBody>
+          <a:bodyPr rtlCol="0" anchor="ctr"/>
+          <a:lstStyle/>
+          <a:p>
+            <a:pPr algn="ctr"/>
+            <a:r>
+              <a:rPr kumimoji="1" lang="en-US" altLang="ja-JP" sz="4000" dirty="0" smtClean="0"/>
+              <a:t>15</a:t>
+            </a:r>
+            <a:endParaRPr kumimoji="1" lang="ja-JP" altLang="en-US" sz="4000" dirty="0"/>
+          </a:p>
+        </p:txBody>
+      </p:sp>
+      <p:sp>
+        <p:nvSpPr>
+          <p:cNvPr id="20" name="正方形/長方形 19"/>
+          <p:cNvSpPr/>
+          <p:nvPr/>
+        </p:nvSpPr>
+        <p:spPr>
+          <a:xfrm>
+            <a:off x="4032000" y="4149000"/>
+            <a:ext cx="720000" cy="720000"/>
+          </a:xfrm>
+          <a:prstGeom prst="rect">
+            <a:avLst/>
+          </a:prstGeom>
+        </p:spPr>
+        <p:style>
+          <a:lnRef idx="2">
+            <a:schemeClr val="dk1"/>
+          </a:lnRef>
+          <a:fillRef idx="1">
+            <a:schemeClr val="lt1"/>
+          </a:fillRef>
+          <a:effectRef idx="0">
+            <a:schemeClr val="dk1"/>
+          </a:effectRef>
+          <a:fontRef idx="minor">
+            <a:schemeClr val="dk1"/>
+          </a:fontRef>
+        </p:style>
+        <p:txBody>
+          <a:bodyPr rtlCol="0" anchor="ctr"/>
+          <a:lstStyle/>
+          <a:p>
+            <a:pPr algn="ctr"/>
+            <a:endParaRPr kumimoji="1" lang="ja-JP" altLang="en-US"/>
+          </a:p>
+        </p:txBody>
+      </p:sp>
+      <p:sp>
+        <p:nvSpPr>
+          <p:cNvPr id="21" name="テキスト ボックス 20"/>
           <p:cNvSpPr txBox="1"/>
           <p:nvPr/>
         </p:nvSpPr>
         <p:spPr>
           <a:xfrm>
-            <a:off x="3453745" y="949234"/>
-            <a:ext cx="2236510" cy="707886"/>
+            <a:off x="5663418" y="2164334"/>
+            <a:ext cx="877163" cy="369332"/>
           </a:xfrm>
           <a:prstGeom prst="rect">
             <a:avLst/>
@@ -3458,23 +4165,23 @@
           <a:lstStyle/>
           <a:p>
             <a:r>
-              <a:rPr kumimoji="1" lang="ja-JP" altLang="en-US" sz="4000" dirty="0" smtClean="0"/>
-              <a:t>タイトル</a:t>
-            </a:r>
-            <a:endParaRPr kumimoji="1" lang="ja-JP" altLang="en-US" sz="4000" dirty="0"/>
-          </a:p>
-        </p:txBody>
-      </p:sp>
-      <p:sp>
-        <p:nvSpPr>
-          <p:cNvPr id="6" name="テキスト ボックス 5"/>
+              <a:rPr kumimoji="1" lang="ja-JP" altLang="en-US" dirty="0" smtClean="0"/>
+              <a:t>パズル</a:t>
+            </a:r>
+            <a:endParaRPr kumimoji="1" lang="ja-JP" altLang="en-US" dirty="0"/>
+          </a:p>
+        </p:txBody>
+      </p:sp>
+      <p:sp>
+        <p:nvSpPr>
+          <p:cNvPr id="22" name="テキスト ボックス 21"/>
           <p:cNvSpPr txBox="1"/>
           <p:nvPr/>
         </p:nvSpPr>
         <p:spPr>
           <a:xfrm>
-            <a:off x="4133418" y="2969623"/>
-            <a:ext cx="877163" cy="369332"/>
+            <a:off x="5483077" y="2884334"/>
+            <a:ext cx="1237839" cy="369332"/>
           </a:xfrm>
           <a:prstGeom prst="rect">
             <a:avLst/>
@@ -3487,9 +4194,14 @@
           </a:bodyPr>
           <a:lstStyle/>
           <a:p>
+            <a:pPr algn="ctr"/>
             <a:r>
               <a:rPr kumimoji="1" lang="ja-JP" altLang="en-US" dirty="0" smtClean="0"/>
-              <a:t>パズル</a:t>
+              <a:t>🕒</a:t>
+            </a:r>
+            <a:r>
+              <a:rPr kumimoji="1" lang="en-US" altLang="ja-JP" dirty="0" smtClean="0"/>
+              <a:t>00:00.00</a:t>
             </a:r>
             <a:endParaRPr kumimoji="1" lang="ja-JP" altLang="en-US" dirty="0"/>
           </a:p>
@@ -3497,14 +4209,14 @@
       </p:sp>
       <p:sp>
         <p:nvSpPr>
-          <p:cNvPr id="7" name="テキスト ボックス 6"/>
+          <p:cNvPr id="25" name="テキスト ボックス 24"/>
           <p:cNvSpPr txBox="1"/>
           <p:nvPr/>
         </p:nvSpPr>
         <p:spPr>
           <a:xfrm>
-            <a:off x="3902585" y="3625874"/>
-            <a:ext cx="1338828" cy="369332"/>
+            <a:off x="5835738" y="3604334"/>
+            <a:ext cx="532517" cy="369332"/>
           </a:xfrm>
           <a:prstGeom prst="rect">
             <a:avLst/>
@@ -3517,48 +4229,77 @@
           </a:bodyPr>
           <a:lstStyle/>
           <a:p>
-            <a:r>
-              <a:rPr kumimoji="1" lang="ja-JP" altLang="en-US" dirty="0" smtClean="0"/>
-              <a:t>ランキング</a:t>
-            </a:r>
-            <a:endParaRPr kumimoji="1" lang="ja-JP" altLang="en-US" dirty="0"/>
-          </a:p>
-        </p:txBody>
-      </p:sp>
-      <p:sp>
-        <p:nvSpPr>
-          <p:cNvPr id="8" name="テキスト ボックス 7"/>
+            <a:pPr algn="ctr"/>
+            <a:r>
+              <a:rPr kumimoji="1" lang="en-US" altLang="ja-JP" dirty="0"/>
+              <a:t>0</a:t>
+            </a:r>
+            <a:r>
+              <a:rPr kumimoji="1" lang="ja-JP" altLang="en-US" dirty="0"/>
+              <a:t>手</a:t>
+            </a:r>
+          </a:p>
+        </p:txBody>
+      </p:sp>
+      <p:sp>
+        <p:nvSpPr>
+          <p:cNvPr id="26" name="テキスト ボックス 25"/>
           <p:cNvSpPr txBox="1"/>
           <p:nvPr/>
         </p:nvSpPr>
         <p:spPr>
           <a:xfrm>
-            <a:off x="4248833" y="4282125"/>
-            <a:ext cx="646331" cy="369332"/>
-          </a:xfrm>
-          <a:prstGeom prst="rect">
-            <a:avLst/>
-          </a:prstGeom>
-          <a:noFill/>
-        </p:spPr>
+            <a:off x="5663416" y="4324334"/>
+            <a:ext cx="877163" cy="369332"/>
+          </a:xfrm>
+          <a:prstGeom prst="rect">
+            <a:avLst/>
+          </a:prstGeom>
+          <a:solidFill>
+            <a:srgbClr val="FF0000"/>
+          </a:solidFill>
+        </p:spPr>
+        <p:style>
+          <a:lnRef idx="2">
+            <a:schemeClr val="accent2"/>
+          </a:lnRef>
+          <a:fillRef idx="1">
+            <a:schemeClr val="lt1"/>
+          </a:fillRef>
+          <a:effectRef idx="0">
+            <a:schemeClr val="accent2"/>
+          </a:effectRef>
+          <a:fontRef idx="minor">
+            <a:schemeClr val="dk1"/>
+          </a:fontRef>
+        </p:style>
         <p:txBody>
           <a:bodyPr wrap="none" rtlCol="0">
             <a:spAutoFit/>
           </a:bodyPr>
           <a:lstStyle/>
           <a:p>
-            <a:r>
-              <a:rPr kumimoji="1" lang="ja-JP" altLang="en-US" dirty="0" smtClean="0"/>
-              <a:t>統計</a:t>
-            </a:r>
-            <a:endParaRPr kumimoji="1" lang="ja-JP" altLang="en-US" dirty="0"/>
+            <a:pPr algn="ctr"/>
+            <a:r>
+              <a:rPr kumimoji="1" lang="ja-JP" altLang="en-US" dirty="0" smtClean="0">
+                <a:solidFill>
+                  <a:schemeClr val="bg1"/>
+                </a:solidFill>
+              </a:rPr>
+              <a:t>諦める</a:t>
+            </a:r>
+            <a:endParaRPr kumimoji="1" lang="ja-JP" altLang="en-US" dirty="0">
+              <a:solidFill>
+                <a:schemeClr val="bg1"/>
+              </a:solidFill>
+            </a:endParaRPr>
           </a:p>
         </p:txBody>
       </p:sp>
     </p:spTree>
     <p:extLst>
       <p:ext uri="{BB962C8B-B14F-4D97-AF65-F5344CB8AC3E}">
-        <p14:creationId xmlns:p14="http://schemas.microsoft.com/office/powerpoint/2010/main" val="2758863470"/>
+        <p14:creationId xmlns:p14="http://schemas.microsoft.com/office/powerpoint/2010/main" val="1102718727"/>
       </p:ext>
     </p:extLst>
   </p:cSld>
@@ -3743,78 +4484,10 @@
           </a:p>
         </p:txBody>
       </p:sp>
-      <p:sp>
-        <p:nvSpPr>
-          <p:cNvPr id="9" name="テキスト ボックス 8"/>
-          <p:cNvSpPr txBox="1"/>
-          <p:nvPr/>
-        </p:nvSpPr>
-        <p:spPr>
-          <a:xfrm>
-            <a:off x="3191558" y="4967437"/>
-            <a:ext cx="1569660" cy="369332"/>
-          </a:xfrm>
-          <a:prstGeom prst="rect">
-            <a:avLst/>
-          </a:prstGeom>
-          <a:noFill/>
-        </p:spPr>
-        <p:txBody>
-          <a:bodyPr wrap="none" rtlCol="0">
-            <a:spAutoFit/>
-          </a:bodyPr>
-          <a:lstStyle/>
-          <a:p>
-            <a:r>
-              <a:rPr kumimoji="1" lang="ja-JP" altLang="en-US" dirty="0"/>
-              <a:t>登録名</a:t>
-            </a:r>
-            <a:r>
-              <a:rPr kumimoji="1" lang="ja-JP" altLang="en-US" dirty="0" smtClean="0"/>
-              <a:t>：〇〇</a:t>
-            </a:r>
-            <a:endParaRPr kumimoji="1" lang="ja-JP" altLang="en-US" dirty="0"/>
-          </a:p>
-        </p:txBody>
-      </p:sp>
-      <p:sp>
-        <p:nvSpPr>
-          <p:cNvPr id="10" name="テキスト ボックス 9"/>
-          <p:cNvSpPr txBox="1"/>
-          <p:nvPr/>
-        </p:nvSpPr>
-        <p:spPr>
-          <a:xfrm>
-            <a:off x="4905425" y="4967437"/>
-            <a:ext cx="1569660" cy="369332"/>
-          </a:xfrm>
-          <a:prstGeom prst="rect">
-            <a:avLst/>
-          </a:prstGeom>
-          <a:noFill/>
-        </p:spPr>
-        <p:txBody>
-          <a:bodyPr wrap="none" rtlCol="0">
-            <a:spAutoFit/>
-          </a:bodyPr>
-          <a:lstStyle/>
-          <a:p>
-            <a:r>
-              <a:rPr kumimoji="1" lang="ja-JP" altLang="en-US" dirty="0"/>
-              <a:t>登録名</a:t>
-            </a:r>
-            <a:r>
-              <a:rPr kumimoji="1" lang="ja-JP" altLang="en-US" dirty="0" smtClean="0"/>
-              <a:t>：〇〇</a:t>
-            </a:r>
-            <a:endParaRPr kumimoji="1" lang="ja-JP" altLang="en-US" dirty="0"/>
-          </a:p>
-        </p:txBody>
-      </p:sp>
     </p:spTree>
     <p:extLst>
       <p:ext uri="{BB962C8B-B14F-4D97-AF65-F5344CB8AC3E}">
-        <p14:creationId xmlns:p14="http://schemas.microsoft.com/office/powerpoint/2010/main" val="784553722"/>
+        <p14:creationId xmlns:p14="http://schemas.microsoft.com/office/powerpoint/2010/main" val="2758863470"/>
       </p:ext>
     </p:extLst>
   </p:cSld>
@@ -3843,14 +4516,14 @@
       </p:grpSpPr>
       <p:sp>
         <p:nvSpPr>
-          <p:cNvPr id="3" name="正方形/長方形 2"/>
+          <p:cNvPr id="4" name="正方形/長方形 3"/>
           <p:cNvSpPr/>
           <p:nvPr/>
         </p:nvSpPr>
         <p:spPr>
           <a:xfrm>
-            <a:off x="1692000" y="1809000"/>
-            <a:ext cx="5760000" cy="3240000"/>
+            <a:off x="2952000" y="549000"/>
+            <a:ext cx="3240000" cy="5760000"/>
           </a:xfrm>
           <a:prstGeom prst="rect">
             <a:avLst/>
@@ -3875,20 +4548,55 @@
           <a:lstStyle/>
           <a:p>
             <a:pPr algn="ctr"/>
-            <a:endParaRPr kumimoji="1" lang="ja-JP" altLang="en-US"/>
-          </a:p>
-        </p:txBody>
-      </p:sp>
-      <p:sp>
-        <p:nvSpPr>
-          <p:cNvPr id="4" name="正方形/長方形 3"/>
-          <p:cNvSpPr/>
-          <p:nvPr/>
-        </p:nvSpPr>
-        <p:spPr>
-          <a:xfrm>
-            <a:off x="1872000" y="1989000"/>
-            <a:ext cx="2880000" cy="2880000"/>
+            <a:endParaRPr kumimoji="1" lang="ja-JP" altLang="en-US" dirty="0"/>
+          </a:p>
+        </p:txBody>
+      </p:sp>
+      <p:sp>
+        <p:nvSpPr>
+          <p:cNvPr id="5" name="テキスト ボックス 4"/>
+          <p:cNvSpPr txBox="1"/>
+          <p:nvPr/>
+        </p:nvSpPr>
+        <p:spPr>
+          <a:xfrm>
+            <a:off x="3450538" y="949234"/>
+            <a:ext cx="2242922" cy="707886"/>
+          </a:xfrm>
+          <a:prstGeom prst="rect">
+            <a:avLst/>
+          </a:prstGeom>
+          <a:noFill/>
+        </p:spPr>
+        <p:txBody>
+          <a:bodyPr wrap="none" rtlCol="0">
+            <a:spAutoFit/>
+          </a:bodyPr>
+          <a:lstStyle/>
+          <a:p>
+            <a:pPr algn="ctr"/>
+            <a:r>
+              <a:rPr kumimoji="1" lang="en-US" altLang="ja-JP" sz="4000" dirty="0"/>
+              <a:t>15</a:t>
+            </a:r>
+            <a:r>
+              <a:rPr kumimoji="1" lang="ja-JP" altLang="en-US" sz="4000" dirty="0" smtClean="0"/>
+              <a:t>パズル</a:t>
+            </a:r>
+            <a:endParaRPr kumimoji="1" lang="ja-JP" altLang="en-US" sz="4000" dirty="0"/>
+          </a:p>
+        </p:txBody>
+      </p:sp>
+      <p:sp>
+        <p:nvSpPr>
+          <p:cNvPr id="6" name="テキスト ボックス 5"/>
+          <p:cNvSpPr txBox="1"/>
+          <p:nvPr/>
+        </p:nvSpPr>
+        <p:spPr>
+          <a:xfrm>
+            <a:off x="4133418" y="2418931"/>
+            <a:ext cx="877163" cy="369332"/>
           </a:xfrm>
           <a:prstGeom prst="rect">
             <a:avLst/>
@@ -3909,24 +4617,29 @@
           </a:fontRef>
         </p:style>
         <p:txBody>
-          <a:bodyPr rtlCol="0" anchor="ctr"/>
-          <a:lstStyle/>
-          <a:p>
-            <a:pPr algn="ctr"/>
-            <a:endParaRPr kumimoji="1" lang="ja-JP" altLang="en-US"/>
-          </a:p>
-        </p:txBody>
-      </p:sp>
-      <p:sp>
-        <p:nvSpPr>
-          <p:cNvPr id="2" name="正方形/長方形 1"/>
-          <p:cNvSpPr/>
-          <p:nvPr/>
-        </p:nvSpPr>
-        <p:spPr>
-          <a:xfrm>
-            <a:off x="1872000" y="1989000"/>
-            <a:ext cx="720000" cy="720000"/>
+          <a:bodyPr wrap="none" rtlCol="0">
+            <a:spAutoFit/>
+          </a:bodyPr>
+          <a:lstStyle/>
+          <a:p>
+            <a:r>
+              <a:rPr kumimoji="1" lang="ja-JP" altLang="en-US" dirty="0" smtClean="0"/>
+              <a:t>パズル</a:t>
+            </a:r>
+            <a:endParaRPr kumimoji="1" lang="ja-JP" altLang="en-US" dirty="0"/>
+          </a:p>
+        </p:txBody>
+      </p:sp>
+      <p:sp>
+        <p:nvSpPr>
+          <p:cNvPr id="7" name="テキスト ボックス 6"/>
+          <p:cNvSpPr txBox="1"/>
+          <p:nvPr/>
+        </p:nvSpPr>
+        <p:spPr>
+          <a:xfrm>
+            <a:off x="3902585" y="3300152"/>
+            <a:ext cx="1338828" cy="369332"/>
           </a:xfrm>
           <a:prstGeom prst="rect">
             <a:avLst/>
@@ -3947,28 +4660,29 @@
           </a:fontRef>
         </p:style>
         <p:txBody>
-          <a:bodyPr rtlCol="0" anchor="ctr"/>
-          <a:lstStyle/>
-          <a:p>
-            <a:pPr algn="ctr"/>
-            <a:r>
-              <a:rPr kumimoji="1" lang="en-US" altLang="ja-JP" sz="4000" dirty="0" smtClean="0"/>
-              <a:t>1</a:t>
-            </a:r>
-            <a:endParaRPr kumimoji="1" lang="ja-JP" altLang="en-US" sz="4000" dirty="0"/>
-          </a:p>
-        </p:txBody>
-      </p:sp>
-      <p:sp>
-        <p:nvSpPr>
-          <p:cNvPr id="6" name="正方形/長方形 5"/>
-          <p:cNvSpPr/>
-          <p:nvPr/>
-        </p:nvSpPr>
-        <p:spPr>
-          <a:xfrm>
-            <a:off x="2592000" y="1989000"/>
-            <a:ext cx="720000" cy="720000"/>
+          <a:bodyPr wrap="none" rtlCol="0">
+            <a:spAutoFit/>
+          </a:bodyPr>
+          <a:lstStyle/>
+          <a:p>
+            <a:r>
+              <a:rPr kumimoji="1" lang="ja-JP" altLang="en-US" dirty="0" smtClean="0"/>
+              <a:t>ランキング</a:t>
+            </a:r>
+            <a:endParaRPr kumimoji="1" lang="ja-JP" altLang="en-US" dirty="0"/>
+          </a:p>
+        </p:txBody>
+      </p:sp>
+      <p:sp>
+        <p:nvSpPr>
+          <p:cNvPr id="8" name="テキスト ボックス 7"/>
+          <p:cNvSpPr txBox="1"/>
+          <p:nvPr/>
+        </p:nvSpPr>
+        <p:spPr>
+          <a:xfrm>
+            <a:off x="4248832" y="4181373"/>
+            <a:ext cx="646331" cy="369332"/>
           </a:xfrm>
           <a:prstGeom prst="rect">
             <a:avLst/>
@@ -3989,28 +4703,63 @@
           </a:fontRef>
         </p:style>
         <p:txBody>
-          <a:bodyPr rtlCol="0" anchor="ctr"/>
-          <a:lstStyle/>
-          <a:p>
-            <a:pPr algn="ctr"/>
-            <a:r>
-              <a:rPr kumimoji="1" lang="en-US" altLang="ja-JP" sz="4000" dirty="0" smtClean="0"/>
-              <a:t>2</a:t>
-            </a:r>
-            <a:endParaRPr kumimoji="1" lang="ja-JP" altLang="en-US" sz="4000" dirty="0"/>
-          </a:p>
-        </p:txBody>
-      </p:sp>
-      <p:sp>
-        <p:nvSpPr>
-          <p:cNvPr id="7" name="正方形/長方形 6"/>
-          <p:cNvSpPr/>
-          <p:nvPr/>
-        </p:nvSpPr>
-        <p:spPr>
-          <a:xfrm>
-            <a:off x="3312000" y="1989000"/>
-            <a:ext cx="720000" cy="720000"/>
+          <a:bodyPr wrap="none" rtlCol="0">
+            <a:spAutoFit/>
+          </a:bodyPr>
+          <a:lstStyle/>
+          <a:p>
+            <a:r>
+              <a:rPr kumimoji="1" lang="ja-JP" altLang="en-US" dirty="0" smtClean="0"/>
+              <a:t>統計</a:t>
+            </a:r>
+            <a:endParaRPr kumimoji="1" lang="ja-JP" altLang="en-US" dirty="0"/>
+          </a:p>
+        </p:txBody>
+      </p:sp>
+      <p:sp>
+        <p:nvSpPr>
+          <p:cNvPr id="9" name="テキスト ボックス 8"/>
+          <p:cNvSpPr txBox="1"/>
+          <p:nvPr/>
+        </p:nvSpPr>
+        <p:spPr>
+          <a:xfrm>
+            <a:off x="3191558" y="4967437"/>
+            <a:ext cx="1569660" cy="369332"/>
+          </a:xfrm>
+          <a:prstGeom prst="rect">
+            <a:avLst/>
+          </a:prstGeom>
+          <a:noFill/>
+        </p:spPr>
+        <p:txBody>
+          <a:bodyPr wrap="none" rtlCol="0">
+            <a:spAutoFit/>
+          </a:bodyPr>
+          <a:lstStyle/>
+          <a:p>
+            <a:r>
+              <a:rPr kumimoji="1" lang="ja-JP" altLang="en-US" dirty="0"/>
+              <a:t>登録名</a:t>
+            </a:r>
+            <a:r>
+              <a:rPr kumimoji="1" lang="ja-JP" altLang="en-US" dirty="0" smtClean="0"/>
+              <a:t>：〇〇</a:t>
+            </a:r>
+            <a:endParaRPr kumimoji="1" lang="ja-JP" altLang="en-US" dirty="0"/>
+          </a:p>
+        </p:txBody>
+      </p:sp>
+      <p:sp>
+        <p:nvSpPr>
+          <p:cNvPr id="10" name="テキスト ボックス 9"/>
+          <p:cNvSpPr txBox="1"/>
+          <p:nvPr/>
+        </p:nvSpPr>
+        <p:spPr>
+          <a:xfrm>
+            <a:off x="4248832" y="5453552"/>
+            <a:ext cx="646331" cy="369332"/>
           </a:xfrm>
           <a:prstGeom prst="rect">
             <a:avLst/>
@@ -4031,577 +4780,6 @@
           </a:fontRef>
         </p:style>
         <p:txBody>
-          <a:bodyPr rtlCol="0" anchor="ctr"/>
-          <a:lstStyle/>
-          <a:p>
-            <a:pPr algn="ctr"/>
-            <a:r>
-              <a:rPr kumimoji="1" lang="en-US" altLang="ja-JP" sz="4000" dirty="0" smtClean="0"/>
-              <a:t>3</a:t>
-            </a:r>
-            <a:endParaRPr kumimoji="1" lang="ja-JP" altLang="en-US" sz="4000" dirty="0"/>
-          </a:p>
-        </p:txBody>
-      </p:sp>
-      <p:sp>
-        <p:nvSpPr>
-          <p:cNvPr id="8" name="正方形/長方形 7"/>
-          <p:cNvSpPr/>
-          <p:nvPr/>
-        </p:nvSpPr>
-        <p:spPr>
-          <a:xfrm>
-            <a:off x="4032000" y="1989000"/>
-            <a:ext cx="720000" cy="720000"/>
-          </a:xfrm>
-          <a:prstGeom prst="rect">
-            <a:avLst/>
-          </a:prstGeom>
-        </p:spPr>
-        <p:style>
-          <a:lnRef idx="2">
-            <a:schemeClr val="dk1"/>
-          </a:lnRef>
-          <a:fillRef idx="1">
-            <a:schemeClr val="lt1"/>
-          </a:fillRef>
-          <a:effectRef idx="0">
-            <a:schemeClr val="dk1"/>
-          </a:effectRef>
-          <a:fontRef idx="minor">
-            <a:schemeClr val="dk1"/>
-          </a:fontRef>
-        </p:style>
-        <p:txBody>
-          <a:bodyPr rtlCol="0" anchor="ctr"/>
-          <a:lstStyle/>
-          <a:p>
-            <a:pPr algn="ctr"/>
-            <a:r>
-              <a:rPr kumimoji="1" lang="en-US" altLang="ja-JP" sz="4000" dirty="0" smtClean="0"/>
-              <a:t>4</a:t>
-            </a:r>
-            <a:endParaRPr kumimoji="1" lang="ja-JP" altLang="en-US" sz="4000" dirty="0"/>
-          </a:p>
-        </p:txBody>
-      </p:sp>
-      <p:sp>
-        <p:nvSpPr>
-          <p:cNvPr id="9" name="正方形/長方形 8"/>
-          <p:cNvSpPr/>
-          <p:nvPr/>
-        </p:nvSpPr>
-        <p:spPr>
-          <a:xfrm>
-            <a:off x="1872000" y="2709000"/>
-            <a:ext cx="720000" cy="720000"/>
-          </a:xfrm>
-          <a:prstGeom prst="rect">
-            <a:avLst/>
-          </a:prstGeom>
-        </p:spPr>
-        <p:style>
-          <a:lnRef idx="2">
-            <a:schemeClr val="dk1"/>
-          </a:lnRef>
-          <a:fillRef idx="1">
-            <a:schemeClr val="lt1"/>
-          </a:fillRef>
-          <a:effectRef idx="0">
-            <a:schemeClr val="dk1"/>
-          </a:effectRef>
-          <a:fontRef idx="minor">
-            <a:schemeClr val="dk1"/>
-          </a:fontRef>
-        </p:style>
-        <p:txBody>
-          <a:bodyPr rtlCol="0" anchor="ctr"/>
-          <a:lstStyle/>
-          <a:p>
-            <a:pPr algn="ctr"/>
-            <a:r>
-              <a:rPr kumimoji="1" lang="en-US" altLang="ja-JP" sz="4000" dirty="0" smtClean="0"/>
-              <a:t>5</a:t>
-            </a:r>
-            <a:endParaRPr kumimoji="1" lang="ja-JP" altLang="en-US" sz="4000" dirty="0"/>
-          </a:p>
-        </p:txBody>
-      </p:sp>
-      <p:sp>
-        <p:nvSpPr>
-          <p:cNvPr id="10" name="正方形/長方形 9"/>
-          <p:cNvSpPr/>
-          <p:nvPr/>
-        </p:nvSpPr>
-        <p:spPr>
-          <a:xfrm>
-            <a:off x="2592000" y="2709000"/>
-            <a:ext cx="720000" cy="720000"/>
-          </a:xfrm>
-          <a:prstGeom prst="rect">
-            <a:avLst/>
-          </a:prstGeom>
-        </p:spPr>
-        <p:style>
-          <a:lnRef idx="2">
-            <a:schemeClr val="dk1"/>
-          </a:lnRef>
-          <a:fillRef idx="1">
-            <a:schemeClr val="lt1"/>
-          </a:fillRef>
-          <a:effectRef idx="0">
-            <a:schemeClr val="dk1"/>
-          </a:effectRef>
-          <a:fontRef idx="minor">
-            <a:schemeClr val="dk1"/>
-          </a:fontRef>
-        </p:style>
-        <p:txBody>
-          <a:bodyPr rtlCol="0" anchor="ctr"/>
-          <a:lstStyle/>
-          <a:p>
-            <a:pPr algn="ctr"/>
-            <a:r>
-              <a:rPr kumimoji="1" lang="en-US" altLang="ja-JP" sz="4000" dirty="0" smtClean="0"/>
-              <a:t>6</a:t>
-            </a:r>
-            <a:endParaRPr kumimoji="1" lang="ja-JP" altLang="en-US" sz="4000" dirty="0"/>
-          </a:p>
-        </p:txBody>
-      </p:sp>
-      <p:sp>
-        <p:nvSpPr>
-          <p:cNvPr id="11" name="正方形/長方形 10"/>
-          <p:cNvSpPr/>
-          <p:nvPr/>
-        </p:nvSpPr>
-        <p:spPr>
-          <a:xfrm>
-            <a:off x="3312000" y="2709000"/>
-            <a:ext cx="720000" cy="720000"/>
-          </a:xfrm>
-          <a:prstGeom prst="rect">
-            <a:avLst/>
-          </a:prstGeom>
-        </p:spPr>
-        <p:style>
-          <a:lnRef idx="2">
-            <a:schemeClr val="dk1"/>
-          </a:lnRef>
-          <a:fillRef idx="1">
-            <a:schemeClr val="lt1"/>
-          </a:fillRef>
-          <a:effectRef idx="0">
-            <a:schemeClr val="dk1"/>
-          </a:effectRef>
-          <a:fontRef idx="minor">
-            <a:schemeClr val="dk1"/>
-          </a:fontRef>
-        </p:style>
-        <p:txBody>
-          <a:bodyPr rtlCol="0" anchor="ctr"/>
-          <a:lstStyle/>
-          <a:p>
-            <a:pPr algn="ctr"/>
-            <a:r>
-              <a:rPr kumimoji="1" lang="en-US" altLang="ja-JP" sz="4000" dirty="0" smtClean="0"/>
-              <a:t>7</a:t>
-            </a:r>
-            <a:endParaRPr kumimoji="1" lang="ja-JP" altLang="en-US" sz="4000" dirty="0"/>
-          </a:p>
-        </p:txBody>
-      </p:sp>
-      <p:sp>
-        <p:nvSpPr>
-          <p:cNvPr id="12" name="正方形/長方形 11"/>
-          <p:cNvSpPr/>
-          <p:nvPr/>
-        </p:nvSpPr>
-        <p:spPr>
-          <a:xfrm>
-            <a:off x="4032000" y="2709000"/>
-            <a:ext cx="720000" cy="720000"/>
-          </a:xfrm>
-          <a:prstGeom prst="rect">
-            <a:avLst/>
-          </a:prstGeom>
-        </p:spPr>
-        <p:style>
-          <a:lnRef idx="2">
-            <a:schemeClr val="dk1"/>
-          </a:lnRef>
-          <a:fillRef idx="1">
-            <a:schemeClr val="lt1"/>
-          </a:fillRef>
-          <a:effectRef idx="0">
-            <a:schemeClr val="dk1"/>
-          </a:effectRef>
-          <a:fontRef idx="minor">
-            <a:schemeClr val="dk1"/>
-          </a:fontRef>
-        </p:style>
-        <p:txBody>
-          <a:bodyPr rtlCol="0" anchor="ctr"/>
-          <a:lstStyle/>
-          <a:p>
-            <a:pPr algn="ctr"/>
-            <a:r>
-              <a:rPr kumimoji="1" lang="en-US" altLang="ja-JP" sz="4000" dirty="0" smtClean="0"/>
-              <a:t>8</a:t>
-            </a:r>
-            <a:endParaRPr kumimoji="1" lang="ja-JP" altLang="en-US" sz="4000" dirty="0"/>
-          </a:p>
-        </p:txBody>
-      </p:sp>
-      <p:sp>
-        <p:nvSpPr>
-          <p:cNvPr id="13" name="正方形/長方形 12"/>
-          <p:cNvSpPr/>
-          <p:nvPr/>
-        </p:nvSpPr>
-        <p:spPr>
-          <a:xfrm>
-            <a:off x="1872000" y="3429000"/>
-            <a:ext cx="720000" cy="720000"/>
-          </a:xfrm>
-          <a:prstGeom prst="rect">
-            <a:avLst/>
-          </a:prstGeom>
-        </p:spPr>
-        <p:style>
-          <a:lnRef idx="2">
-            <a:schemeClr val="dk1"/>
-          </a:lnRef>
-          <a:fillRef idx="1">
-            <a:schemeClr val="lt1"/>
-          </a:fillRef>
-          <a:effectRef idx="0">
-            <a:schemeClr val="dk1"/>
-          </a:effectRef>
-          <a:fontRef idx="minor">
-            <a:schemeClr val="dk1"/>
-          </a:fontRef>
-        </p:style>
-        <p:txBody>
-          <a:bodyPr rtlCol="0" anchor="ctr"/>
-          <a:lstStyle/>
-          <a:p>
-            <a:pPr algn="ctr"/>
-            <a:r>
-              <a:rPr kumimoji="1" lang="en-US" altLang="ja-JP" sz="4000" dirty="0" smtClean="0"/>
-              <a:t>9</a:t>
-            </a:r>
-            <a:endParaRPr kumimoji="1" lang="ja-JP" altLang="en-US" sz="4000" dirty="0"/>
-          </a:p>
-        </p:txBody>
-      </p:sp>
-      <p:sp>
-        <p:nvSpPr>
-          <p:cNvPr id="14" name="正方形/長方形 13"/>
-          <p:cNvSpPr/>
-          <p:nvPr/>
-        </p:nvSpPr>
-        <p:spPr>
-          <a:xfrm>
-            <a:off x="2592000" y="3429000"/>
-            <a:ext cx="720000" cy="720000"/>
-          </a:xfrm>
-          <a:prstGeom prst="rect">
-            <a:avLst/>
-          </a:prstGeom>
-        </p:spPr>
-        <p:style>
-          <a:lnRef idx="2">
-            <a:schemeClr val="dk1"/>
-          </a:lnRef>
-          <a:fillRef idx="1">
-            <a:schemeClr val="lt1"/>
-          </a:fillRef>
-          <a:effectRef idx="0">
-            <a:schemeClr val="dk1"/>
-          </a:effectRef>
-          <a:fontRef idx="minor">
-            <a:schemeClr val="dk1"/>
-          </a:fontRef>
-        </p:style>
-        <p:txBody>
-          <a:bodyPr rtlCol="0" anchor="ctr"/>
-          <a:lstStyle/>
-          <a:p>
-            <a:pPr algn="ctr"/>
-            <a:r>
-              <a:rPr kumimoji="1" lang="en-US" altLang="ja-JP" sz="4000" dirty="0" smtClean="0"/>
-              <a:t>10</a:t>
-            </a:r>
-            <a:endParaRPr kumimoji="1" lang="ja-JP" altLang="en-US" sz="4000" dirty="0"/>
-          </a:p>
-        </p:txBody>
-      </p:sp>
-      <p:sp>
-        <p:nvSpPr>
-          <p:cNvPr id="15" name="正方形/長方形 14"/>
-          <p:cNvSpPr/>
-          <p:nvPr/>
-        </p:nvSpPr>
-        <p:spPr>
-          <a:xfrm>
-            <a:off x="3312000" y="3429000"/>
-            <a:ext cx="720000" cy="720000"/>
-          </a:xfrm>
-          <a:prstGeom prst="rect">
-            <a:avLst/>
-          </a:prstGeom>
-        </p:spPr>
-        <p:style>
-          <a:lnRef idx="2">
-            <a:schemeClr val="dk1"/>
-          </a:lnRef>
-          <a:fillRef idx="1">
-            <a:schemeClr val="lt1"/>
-          </a:fillRef>
-          <a:effectRef idx="0">
-            <a:schemeClr val="dk1"/>
-          </a:effectRef>
-          <a:fontRef idx="minor">
-            <a:schemeClr val="dk1"/>
-          </a:fontRef>
-        </p:style>
-        <p:txBody>
-          <a:bodyPr rtlCol="0" anchor="ctr"/>
-          <a:lstStyle/>
-          <a:p>
-            <a:pPr algn="ctr"/>
-            <a:r>
-              <a:rPr kumimoji="1" lang="en-US" altLang="ja-JP" sz="4000" dirty="0" smtClean="0"/>
-              <a:t>11</a:t>
-            </a:r>
-            <a:endParaRPr kumimoji="1" lang="ja-JP" altLang="en-US" sz="4000" dirty="0"/>
-          </a:p>
-        </p:txBody>
-      </p:sp>
-      <p:sp>
-        <p:nvSpPr>
-          <p:cNvPr id="16" name="正方形/長方形 15"/>
-          <p:cNvSpPr/>
-          <p:nvPr/>
-        </p:nvSpPr>
-        <p:spPr>
-          <a:xfrm>
-            <a:off x="4032000" y="3429000"/>
-            <a:ext cx="720000" cy="720000"/>
-          </a:xfrm>
-          <a:prstGeom prst="rect">
-            <a:avLst/>
-          </a:prstGeom>
-        </p:spPr>
-        <p:style>
-          <a:lnRef idx="2">
-            <a:schemeClr val="dk1"/>
-          </a:lnRef>
-          <a:fillRef idx="1">
-            <a:schemeClr val="lt1"/>
-          </a:fillRef>
-          <a:effectRef idx="0">
-            <a:schemeClr val="dk1"/>
-          </a:effectRef>
-          <a:fontRef idx="minor">
-            <a:schemeClr val="dk1"/>
-          </a:fontRef>
-        </p:style>
-        <p:txBody>
-          <a:bodyPr rtlCol="0" anchor="ctr"/>
-          <a:lstStyle/>
-          <a:p>
-            <a:pPr algn="ctr"/>
-            <a:r>
-              <a:rPr kumimoji="1" lang="en-US" altLang="ja-JP" sz="4000" dirty="0" smtClean="0"/>
-              <a:t>12</a:t>
-            </a:r>
-            <a:endParaRPr kumimoji="1" lang="ja-JP" altLang="en-US" sz="4000" dirty="0"/>
-          </a:p>
-        </p:txBody>
-      </p:sp>
-      <p:sp>
-        <p:nvSpPr>
-          <p:cNvPr id="17" name="正方形/長方形 16"/>
-          <p:cNvSpPr/>
-          <p:nvPr/>
-        </p:nvSpPr>
-        <p:spPr>
-          <a:xfrm>
-            <a:off x="1872000" y="4149000"/>
-            <a:ext cx="720000" cy="720000"/>
-          </a:xfrm>
-          <a:prstGeom prst="rect">
-            <a:avLst/>
-          </a:prstGeom>
-        </p:spPr>
-        <p:style>
-          <a:lnRef idx="2">
-            <a:schemeClr val="dk1"/>
-          </a:lnRef>
-          <a:fillRef idx="1">
-            <a:schemeClr val="lt1"/>
-          </a:fillRef>
-          <a:effectRef idx="0">
-            <a:schemeClr val="dk1"/>
-          </a:effectRef>
-          <a:fontRef idx="minor">
-            <a:schemeClr val="dk1"/>
-          </a:fontRef>
-        </p:style>
-        <p:txBody>
-          <a:bodyPr rtlCol="0" anchor="ctr"/>
-          <a:lstStyle/>
-          <a:p>
-            <a:pPr algn="ctr"/>
-            <a:r>
-              <a:rPr kumimoji="1" lang="en-US" altLang="ja-JP" sz="4000" dirty="0" smtClean="0"/>
-              <a:t>13</a:t>
-            </a:r>
-            <a:endParaRPr kumimoji="1" lang="ja-JP" altLang="en-US" sz="4000" dirty="0"/>
-          </a:p>
-        </p:txBody>
-      </p:sp>
-      <p:sp>
-        <p:nvSpPr>
-          <p:cNvPr id="18" name="正方形/長方形 17"/>
-          <p:cNvSpPr/>
-          <p:nvPr/>
-        </p:nvSpPr>
-        <p:spPr>
-          <a:xfrm>
-            <a:off x="2592000" y="4149000"/>
-            <a:ext cx="720000" cy="720000"/>
-          </a:xfrm>
-          <a:prstGeom prst="rect">
-            <a:avLst/>
-          </a:prstGeom>
-        </p:spPr>
-        <p:style>
-          <a:lnRef idx="2">
-            <a:schemeClr val="dk1"/>
-          </a:lnRef>
-          <a:fillRef idx="1">
-            <a:schemeClr val="lt1"/>
-          </a:fillRef>
-          <a:effectRef idx="0">
-            <a:schemeClr val="dk1"/>
-          </a:effectRef>
-          <a:fontRef idx="minor">
-            <a:schemeClr val="dk1"/>
-          </a:fontRef>
-        </p:style>
-        <p:txBody>
-          <a:bodyPr rtlCol="0" anchor="ctr"/>
-          <a:lstStyle/>
-          <a:p>
-            <a:pPr algn="ctr"/>
-            <a:r>
-              <a:rPr kumimoji="1" lang="en-US" altLang="ja-JP" sz="4000" dirty="0" smtClean="0"/>
-              <a:t>14</a:t>
-            </a:r>
-            <a:endParaRPr kumimoji="1" lang="ja-JP" altLang="en-US" sz="4000" dirty="0"/>
-          </a:p>
-        </p:txBody>
-      </p:sp>
-      <p:sp>
-        <p:nvSpPr>
-          <p:cNvPr id="19" name="正方形/長方形 18"/>
-          <p:cNvSpPr/>
-          <p:nvPr/>
-        </p:nvSpPr>
-        <p:spPr>
-          <a:xfrm>
-            <a:off x="3312000" y="4149000"/>
-            <a:ext cx="720000" cy="720000"/>
-          </a:xfrm>
-          <a:prstGeom prst="rect">
-            <a:avLst/>
-          </a:prstGeom>
-        </p:spPr>
-        <p:style>
-          <a:lnRef idx="2">
-            <a:schemeClr val="dk1"/>
-          </a:lnRef>
-          <a:fillRef idx="1">
-            <a:schemeClr val="lt1"/>
-          </a:fillRef>
-          <a:effectRef idx="0">
-            <a:schemeClr val="dk1"/>
-          </a:effectRef>
-          <a:fontRef idx="minor">
-            <a:schemeClr val="dk1"/>
-          </a:fontRef>
-        </p:style>
-        <p:txBody>
-          <a:bodyPr rtlCol="0" anchor="ctr"/>
-          <a:lstStyle/>
-          <a:p>
-            <a:pPr algn="ctr"/>
-            <a:r>
-              <a:rPr kumimoji="1" lang="en-US" altLang="ja-JP" sz="4000" dirty="0" smtClean="0"/>
-              <a:t>15</a:t>
-            </a:r>
-            <a:endParaRPr kumimoji="1" lang="ja-JP" altLang="en-US" sz="4000" dirty="0"/>
-          </a:p>
-        </p:txBody>
-      </p:sp>
-      <p:sp>
-        <p:nvSpPr>
-          <p:cNvPr id="20" name="正方形/長方形 19"/>
-          <p:cNvSpPr/>
-          <p:nvPr/>
-        </p:nvSpPr>
-        <p:spPr>
-          <a:xfrm>
-            <a:off x="4032000" y="4149000"/>
-            <a:ext cx="720000" cy="720000"/>
-          </a:xfrm>
-          <a:prstGeom prst="rect">
-            <a:avLst/>
-          </a:prstGeom>
-        </p:spPr>
-        <p:style>
-          <a:lnRef idx="2">
-            <a:schemeClr val="dk1"/>
-          </a:lnRef>
-          <a:fillRef idx="1">
-            <a:schemeClr val="lt1"/>
-          </a:fillRef>
-          <a:effectRef idx="0">
-            <a:schemeClr val="dk1"/>
-          </a:effectRef>
-          <a:fontRef idx="minor">
-            <a:schemeClr val="dk1"/>
-          </a:fontRef>
-        </p:style>
-        <p:txBody>
-          <a:bodyPr rtlCol="0" anchor="ctr"/>
-          <a:lstStyle/>
-          <a:p>
-            <a:pPr algn="ctr"/>
-            <a:endParaRPr kumimoji="1" lang="ja-JP" altLang="en-US"/>
-          </a:p>
-        </p:txBody>
-      </p:sp>
-      <p:sp>
-        <p:nvSpPr>
-          <p:cNvPr id="21" name="テキスト ボックス 20"/>
-          <p:cNvSpPr txBox="1"/>
-          <p:nvPr/>
-        </p:nvSpPr>
-        <p:spPr>
-          <a:xfrm>
-            <a:off x="5663418" y="2164334"/>
-            <a:ext cx="877163" cy="369332"/>
-          </a:xfrm>
-          <a:prstGeom prst="rect">
-            <a:avLst/>
-          </a:prstGeom>
-          <a:noFill/>
-        </p:spPr>
-        <p:txBody>
           <a:bodyPr wrap="none" rtlCol="0">
             <a:spAutoFit/>
           </a:bodyPr>
@@ -4609,140 +4787,16 @@
           <a:p>
             <a:r>
               <a:rPr kumimoji="1" lang="ja-JP" altLang="en-US" dirty="0" smtClean="0"/>
-              <a:t>パズル</a:t>
+              <a:t>変更</a:t>
             </a:r>
             <a:endParaRPr kumimoji="1" lang="ja-JP" altLang="en-US" dirty="0"/>
-          </a:p>
-        </p:txBody>
-      </p:sp>
-      <p:sp>
-        <p:nvSpPr>
-          <p:cNvPr id="22" name="テキスト ボックス 21"/>
-          <p:cNvSpPr txBox="1"/>
-          <p:nvPr/>
-        </p:nvSpPr>
-        <p:spPr>
-          <a:xfrm>
-            <a:off x="5483077" y="2884334"/>
-            <a:ext cx="1237839" cy="369332"/>
-          </a:xfrm>
-          <a:prstGeom prst="rect">
-            <a:avLst/>
-          </a:prstGeom>
-          <a:noFill/>
-        </p:spPr>
-        <p:txBody>
-          <a:bodyPr wrap="none" rtlCol="0">
-            <a:spAutoFit/>
-          </a:bodyPr>
-          <a:lstStyle/>
-          <a:p>
-            <a:pPr algn="ctr"/>
-            <a:r>
-              <a:rPr kumimoji="1" lang="ja-JP" altLang="en-US" dirty="0" smtClean="0"/>
-              <a:t>🕒</a:t>
-            </a:r>
-            <a:r>
-              <a:rPr kumimoji="1" lang="en-US" altLang="ja-JP" dirty="0" smtClean="0"/>
-              <a:t>00:00.00</a:t>
-            </a:r>
-            <a:endParaRPr kumimoji="1" lang="ja-JP" altLang="en-US" dirty="0"/>
-          </a:p>
-        </p:txBody>
-      </p:sp>
-      <p:sp>
-        <p:nvSpPr>
-          <p:cNvPr id="25" name="テキスト ボックス 24"/>
-          <p:cNvSpPr txBox="1"/>
-          <p:nvPr/>
-        </p:nvSpPr>
-        <p:spPr>
-          <a:xfrm>
-            <a:off x="5835738" y="3604334"/>
-            <a:ext cx="532517" cy="369332"/>
-          </a:xfrm>
-          <a:prstGeom prst="rect">
-            <a:avLst/>
-          </a:prstGeom>
-          <a:noFill/>
-        </p:spPr>
-        <p:txBody>
-          <a:bodyPr wrap="none" rtlCol="0">
-            <a:spAutoFit/>
-          </a:bodyPr>
-          <a:lstStyle/>
-          <a:p>
-            <a:pPr algn="ctr"/>
-            <a:r>
-              <a:rPr kumimoji="1" lang="en-US" altLang="ja-JP" dirty="0"/>
-              <a:t>0</a:t>
-            </a:r>
-            <a:r>
-              <a:rPr kumimoji="1" lang="ja-JP" altLang="en-US" dirty="0"/>
-              <a:t>手</a:t>
-            </a:r>
-          </a:p>
-        </p:txBody>
-      </p:sp>
-      <p:sp>
-        <p:nvSpPr>
-          <p:cNvPr id="26" name="テキスト ボックス 25"/>
-          <p:cNvSpPr txBox="1"/>
-          <p:nvPr/>
-        </p:nvSpPr>
-        <p:spPr>
-          <a:xfrm>
-            <a:off x="5663416" y="4324334"/>
-            <a:ext cx="877163" cy="369332"/>
-          </a:xfrm>
-          <a:prstGeom prst="rect">
-            <a:avLst/>
-          </a:prstGeom>
-          <a:solidFill>
-            <a:srgbClr val="FF0000"/>
-          </a:solidFill>
-        </p:spPr>
-        <p:style>
-          <a:lnRef idx="2">
-            <a:schemeClr val="accent2"/>
-          </a:lnRef>
-          <a:fillRef idx="1">
-            <a:schemeClr val="lt1"/>
-          </a:fillRef>
-          <a:effectRef idx="0">
-            <a:schemeClr val="accent2"/>
-          </a:effectRef>
-          <a:fontRef idx="minor">
-            <a:schemeClr val="dk1"/>
-          </a:fontRef>
-        </p:style>
-        <p:txBody>
-          <a:bodyPr wrap="none" rtlCol="0">
-            <a:spAutoFit/>
-          </a:bodyPr>
-          <a:lstStyle/>
-          <a:p>
-            <a:pPr algn="ctr"/>
-            <a:r>
-              <a:rPr kumimoji="1" lang="ja-JP" altLang="en-US" dirty="0" smtClean="0">
-                <a:solidFill>
-                  <a:schemeClr val="bg1"/>
-                </a:solidFill>
-              </a:rPr>
-              <a:t>諦める</a:t>
-            </a:r>
-            <a:endParaRPr kumimoji="1" lang="ja-JP" altLang="en-US" dirty="0">
-              <a:solidFill>
-                <a:schemeClr val="bg1"/>
-              </a:solidFill>
-            </a:endParaRPr>
           </a:p>
         </p:txBody>
       </p:sp>
     </p:spTree>
     <p:extLst>
       <p:ext uri="{BB962C8B-B14F-4D97-AF65-F5344CB8AC3E}">
-        <p14:creationId xmlns:p14="http://schemas.microsoft.com/office/powerpoint/2010/main" val="1102718727"/>
+        <p14:creationId xmlns:p14="http://schemas.microsoft.com/office/powerpoint/2010/main" val="784553722"/>
       </p:ext>
     </p:extLst>
   </p:cSld>
@@ -6670,6 +6724,719 @@
 </p:sld>
 </file>
 
+<file path=ppt/slides/slide9.xml><?xml version="1.0" encoding="utf-8"?>
+<p:sld xmlns:a="http://schemas.openxmlformats.org/drawingml/2006/main" xmlns:r="http://schemas.openxmlformats.org/officeDocument/2006/relationships" xmlns:p="http://schemas.openxmlformats.org/presentationml/2006/main">
+  <p:cSld>
+    <p:spTree>
+      <p:nvGrpSpPr>
+        <p:cNvPr id="1" name=""/>
+        <p:cNvGrpSpPr/>
+        <p:nvPr/>
+      </p:nvGrpSpPr>
+      <p:grpSpPr>
+        <a:xfrm>
+          <a:off x="0" y="0"/>
+          <a:ext cx="0" cy="0"/>
+          <a:chOff x="0" y="0"/>
+          <a:chExt cx="0" cy="0"/>
+        </a:xfrm>
+      </p:grpSpPr>
+      <p:sp>
+        <p:nvSpPr>
+          <p:cNvPr id="2" name="正方形/長方形 1"/>
+          <p:cNvSpPr/>
+          <p:nvPr/>
+        </p:nvSpPr>
+        <p:spPr>
+          <a:xfrm>
+            <a:off x="2952000" y="549000"/>
+            <a:ext cx="3240000" cy="5760000"/>
+          </a:xfrm>
+          <a:prstGeom prst="rect">
+            <a:avLst/>
+          </a:prstGeom>
+        </p:spPr>
+        <p:style>
+          <a:lnRef idx="2">
+            <a:schemeClr val="dk1"/>
+          </a:lnRef>
+          <a:fillRef idx="1">
+            <a:schemeClr val="lt1"/>
+          </a:fillRef>
+          <a:effectRef idx="0">
+            <a:schemeClr val="dk1"/>
+          </a:effectRef>
+          <a:fontRef idx="minor">
+            <a:schemeClr val="dk1"/>
+          </a:fontRef>
+        </p:style>
+        <p:txBody>
+          <a:bodyPr rtlCol="0" anchor="ctr"/>
+          <a:lstStyle/>
+          <a:p>
+            <a:pPr algn="ctr"/>
+            <a:endParaRPr kumimoji="1" lang="ja-JP" altLang="en-US"/>
+          </a:p>
+        </p:txBody>
+      </p:sp>
+      <p:sp>
+        <p:nvSpPr>
+          <p:cNvPr id="11" name="正方形/長方形 10"/>
+          <p:cNvSpPr/>
+          <p:nvPr/>
+        </p:nvSpPr>
+        <p:spPr>
+          <a:xfrm>
+            <a:off x="3132000" y="2226891"/>
+            <a:ext cx="2880000" cy="1021134"/>
+          </a:xfrm>
+          <a:prstGeom prst="rect">
+            <a:avLst/>
+          </a:prstGeom>
+        </p:spPr>
+        <p:style>
+          <a:lnRef idx="2">
+            <a:schemeClr val="dk1"/>
+          </a:lnRef>
+          <a:fillRef idx="1">
+            <a:schemeClr val="lt1"/>
+          </a:fillRef>
+          <a:effectRef idx="0">
+            <a:schemeClr val="dk1"/>
+          </a:effectRef>
+          <a:fontRef idx="minor">
+            <a:schemeClr val="dk1"/>
+          </a:fontRef>
+        </p:style>
+        <p:txBody>
+          <a:bodyPr rtlCol="0" anchor="ctr"/>
+          <a:lstStyle/>
+          <a:p>
+            <a:pPr algn="ctr"/>
+            <a:endParaRPr kumimoji="1" lang="ja-JP" altLang="en-US"/>
+          </a:p>
+        </p:txBody>
+      </p:sp>
+      <p:sp>
+        <p:nvSpPr>
+          <p:cNvPr id="3" name="テキスト ボックス 2"/>
+          <p:cNvSpPr txBox="1"/>
+          <p:nvPr/>
+        </p:nvSpPr>
+        <p:spPr>
+          <a:xfrm>
+            <a:off x="3043377" y="638084"/>
+            <a:ext cx="3057247" cy="584775"/>
+          </a:xfrm>
+          <a:prstGeom prst="rect">
+            <a:avLst/>
+          </a:prstGeom>
+          <a:noFill/>
+        </p:spPr>
+        <p:txBody>
+          <a:bodyPr wrap="none" rtlCol="0">
+            <a:spAutoFit/>
+          </a:bodyPr>
+          <a:lstStyle/>
+          <a:p>
+            <a:pPr algn="ctr"/>
+            <a:r>
+              <a:rPr kumimoji="1" lang="ja-JP" altLang="en-US" sz="3200" dirty="0"/>
+              <a:t>プレイヤー</a:t>
+            </a:r>
+            <a:r>
+              <a:rPr kumimoji="1" lang="ja-JP" altLang="en-US" sz="3200" dirty="0" smtClean="0"/>
+              <a:t>変更</a:t>
+            </a:r>
+            <a:endParaRPr kumimoji="1" lang="ja-JP" altLang="en-US" sz="3200" dirty="0"/>
+          </a:p>
+        </p:txBody>
+      </p:sp>
+      <p:sp>
+        <p:nvSpPr>
+          <p:cNvPr id="4" name="テキスト ボックス 3"/>
+          <p:cNvSpPr txBox="1"/>
+          <p:nvPr/>
+        </p:nvSpPr>
+        <p:spPr>
+          <a:xfrm>
+            <a:off x="3115357" y="2367112"/>
+            <a:ext cx="1628093" cy="646331"/>
+          </a:xfrm>
+          <a:prstGeom prst="rect">
+            <a:avLst/>
+          </a:prstGeom>
+          <a:noFill/>
+        </p:spPr>
+        <p:txBody>
+          <a:bodyPr wrap="square" rtlCol="0">
+            <a:spAutoFit/>
+          </a:bodyPr>
+          <a:lstStyle/>
+          <a:p>
+            <a:r>
+              <a:rPr kumimoji="1" lang="ja-JP" altLang="en-US" dirty="0"/>
+              <a:t>プレイヤー</a:t>
+            </a:r>
+            <a:r>
+              <a:rPr kumimoji="1" lang="ja-JP" altLang="en-US" dirty="0" smtClean="0"/>
+              <a:t>１</a:t>
+            </a:r>
+            <a:endParaRPr kumimoji="1" lang="en-US" altLang="ja-JP" dirty="0" smtClean="0"/>
+          </a:p>
+          <a:p>
+            <a:r>
+              <a:rPr kumimoji="1" lang="ja-JP" altLang="en-US" dirty="0" smtClean="0"/>
+              <a:t>〇〇</a:t>
+            </a:r>
+            <a:endParaRPr kumimoji="1" lang="ja-JP" altLang="en-US" dirty="0"/>
+          </a:p>
+        </p:txBody>
+      </p:sp>
+      <p:sp>
+        <p:nvSpPr>
+          <p:cNvPr id="5" name="テキスト ボックス 4"/>
+          <p:cNvSpPr txBox="1"/>
+          <p:nvPr/>
+        </p:nvSpPr>
+        <p:spPr>
+          <a:xfrm>
+            <a:off x="4668566" y="2329743"/>
+            <a:ext cx="646331" cy="369332"/>
+          </a:xfrm>
+          <a:prstGeom prst="rect">
+            <a:avLst/>
+          </a:prstGeom>
+        </p:spPr>
+        <p:style>
+          <a:lnRef idx="2">
+            <a:schemeClr val="dk1"/>
+          </a:lnRef>
+          <a:fillRef idx="1">
+            <a:schemeClr val="lt1"/>
+          </a:fillRef>
+          <a:effectRef idx="0">
+            <a:schemeClr val="dk1"/>
+          </a:effectRef>
+          <a:fontRef idx="minor">
+            <a:schemeClr val="dk1"/>
+          </a:fontRef>
+        </p:style>
+        <p:txBody>
+          <a:bodyPr wrap="none" rtlCol="0">
+            <a:spAutoFit/>
+          </a:bodyPr>
+          <a:lstStyle/>
+          <a:p>
+            <a:r>
+              <a:rPr kumimoji="1" lang="ja-JP" altLang="en-US" dirty="0" smtClean="0"/>
+              <a:t>変更</a:t>
+            </a:r>
+            <a:endParaRPr kumimoji="1" lang="ja-JP" altLang="en-US" dirty="0"/>
+          </a:p>
+        </p:txBody>
+      </p:sp>
+      <p:sp>
+        <p:nvSpPr>
+          <p:cNvPr id="6" name="テキスト ボックス 5"/>
+          <p:cNvSpPr txBox="1"/>
+          <p:nvPr/>
+        </p:nvSpPr>
+        <p:spPr>
+          <a:xfrm>
+            <a:off x="5338525" y="2329743"/>
+            <a:ext cx="646331" cy="369332"/>
+          </a:xfrm>
+          <a:prstGeom prst="rect">
+            <a:avLst/>
+          </a:prstGeom>
+        </p:spPr>
+        <p:style>
+          <a:lnRef idx="2">
+            <a:schemeClr val="dk1"/>
+          </a:lnRef>
+          <a:fillRef idx="1">
+            <a:schemeClr val="lt1"/>
+          </a:fillRef>
+          <a:effectRef idx="0">
+            <a:schemeClr val="dk1"/>
+          </a:effectRef>
+          <a:fontRef idx="minor">
+            <a:schemeClr val="dk1"/>
+          </a:fontRef>
+        </p:style>
+        <p:txBody>
+          <a:bodyPr wrap="none" rtlCol="0">
+            <a:spAutoFit/>
+          </a:bodyPr>
+          <a:lstStyle/>
+          <a:p>
+            <a:r>
+              <a:rPr kumimoji="1" lang="ja-JP" altLang="en-US" dirty="0"/>
+              <a:t>使用</a:t>
+            </a:r>
+          </a:p>
+        </p:txBody>
+      </p:sp>
+      <p:sp>
+        <p:nvSpPr>
+          <p:cNvPr id="7" name="テキスト ボックス 6"/>
+          <p:cNvSpPr txBox="1"/>
+          <p:nvPr/>
+        </p:nvSpPr>
+        <p:spPr>
+          <a:xfrm>
+            <a:off x="3115357" y="1435054"/>
+            <a:ext cx="1942417" cy="646331"/>
+          </a:xfrm>
+          <a:prstGeom prst="rect">
+            <a:avLst/>
+          </a:prstGeom>
+          <a:noFill/>
+        </p:spPr>
+        <p:txBody>
+          <a:bodyPr wrap="square" rtlCol="0">
+            <a:spAutoFit/>
+          </a:bodyPr>
+          <a:lstStyle/>
+          <a:p>
+            <a:r>
+              <a:rPr kumimoji="1" lang="ja-JP" altLang="en-US" dirty="0" smtClean="0"/>
+              <a:t>登録名：〇〇</a:t>
+            </a:r>
+            <a:endParaRPr kumimoji="1" lang="en-US" altLang="ja-JP" dirty="0" smtClean="0"/>
+          </a:p>
+          <a:p>
+            <a:r>
+              <a:rPr kumimoji="1" lang="ja-JP" altLang="en-US" dirty="0"/>
+              <a:t>プレイヤー１</a:t>
+            </a:r>
+          </a:p>
+        </p:txBody>
+      </p:sp>
+      <p:sp>
+        <p:nvSpPr>
+          <p:cNvPr id="8" name="テキスト ボックス 7"/>
+          <p:cNvSpPr txBox="1"/>
+          <p:nvPr/>
+        </p:nvSpPr>
+        <p:spPr>
+          <a:xfrm>
+            <a:off x="5057774" y="1583691"/>
+            <a:ext cx="646331" cy="369332"/>
+          </a:xfrm>
+          <a:prstGeom prst="rect">
+            <a:avLst/>
+          </a:prstGeom>
+        </p:spPr>
+        <p:style>
+          <a:lnRef idx="2">
+            <a:schemeClr val="dk1"/>
+          </a:lnRef>
+          <a:fillRef idx="1">
+            <a:schemeClr val="lt1"/>
+          </a:fillRef>
+          <a:effectRef idx="0">
+            <a:schemeClr val="dk1"/>
+          </a:effectRef>
+          <a:fontRef idx="minor">
+            <a:schemeClr val="dk1"/>
+          </a:fontRef>
+        </p:style>
+        <p:txBody>
+          <a:bodyPr wrap="none" rtlCol="0">
+            <a:spAutoFit/>
+          </a:bodyPr>
+          <a:lstStyle/>
+          <a:p>
+            <a:r>
+              <a:rPr kumimoji="1" lang="ja-JP" altLang="en-US" dirty="0" smtClean="0"/>
+              <a:t>変更</a:t>
+            </a:r>
+            <a:endParaRPr kumimoji="1" lang="ja-JP" altLang="en-US" dirty="0"/>
+          </a:p>
+        </p:txBody>
+      </p:sp>
+      <p:sp>
+        <p:nvSpPr>
+          <p:cNvPr id="12" name="正方形/長方形 11"/>
+          <p:cNvSpPr/>
+          <p:nvPr/>
+        </p:nvSpPr>
+        <p:spPr>
+          <a:xfrm>
+            <a:off x="3132000" y="3246811"/>
+            <a:ext cx="2880000" cy="1021134"/>
+          </a:xfrm>
+          <a:prstGeom prst="rect">
+            <a:avLst/>
+          </a:prstGeom>
+        </p:spPr>
+        <p:style>
+          <a:lnRef idx="2">
+            <a:schemeClr val="dk1"/>
+          </a:lnRef>
+          <a:fillRef idx="1">
+            <a:schemeClr val="lt1"/>
+          </a:fillRef>
+          <a:effectRef idx="0">
+            <a:schemeClr val="dk1"/>
+          </a:effectRef>
+          <a:fontRef idx="minor">
+            <a:schemeClr val="dk1"/>
+          </a:fontRef>
+        </p:style>
+        <p:txBody>
+          <a:bodyPr rtlCol="0" anchor="ctr"/>
+          <a:lstStyle/>
+          <a:p>
+            <a:pPr algn="ctr"/>
+            <a:endParaRPr kumimoji="1" lang="ja-JP" altLang="en-US"/>
+          </a:p>
+        </p:txBody>
+      </p:sp>
+      <p:sp>
+        <p:nvSpPr>
+          <p:cNvPr id="13" name="テキスト ボックス 12"/>
+          <p:cNvSpPr txBox="1"/>
+          <p:nvPr/>
+        </p:nvSpPr>
+        <p:spPr>
+          <a:xfrm>
+            <a:off x="3115357" y="3387032"/>
+            <a:ext cx="1628093" cy="646331"/>
+          </a:xfrm>
+          <a:prstGeom prst="rect">
+            <a:avLst/>
+          </a:prstGeom>
+          <a:noFill/>
+        </p:spPr>
+        <p:txBody>
+          <a:bodyPr wrap="square" rtlCol="0">
+            <a:spAutoFit/>
+          </a:bodyPr>
+          <a:lstStyle/>
+          <a:p>
+            <a:r>
+              <a:rPr kumimoji="1" lang="ja-JP" altLang="en-US" dirty="0" smtClean="0"/>
+              <a:t>プレイヤー</a:t>
+            </a:r>
+            <a:r>
+              <a:rPr kumimoji="1" lang="ja-JP" altLang="en-US" dirty="0"/>
+              <a:t>２</a:t>
+            </a:r>
+            <a:endParaRPr kumimoji="1" lang="en-US" altLang="ja-JP" dirty="0" smtClean="0"/>
+          </a:p>
+          <a:p>
+            <a:r>
+              <a:rPr kumimoji="1" lang="ja-JP" altLang="en-US" dirty="0" smtClean="0"/>
+              <a:t>△△</a:t>
+            </a:r>
+            <a:endParaRPr kumimoji="1" lang="ja-JP" altLang="en-US" dirty="0"/>
+          </a:p>
+        </p:txBody>
+      </p:sp>
+      <p:sp>
+        <p:nvSpPr>
+          <p:cNvPr id="14" name="テキスト ボックス 13"/>
+          <p:cNvSpPr txBox="1"/>
+          <p:nvPr/>
+        </p:nvSpPr>
+        <p:spPr>
+          <a:xfrm>
+            <a:off x="4668566" y="3349663"/>
+            <a:ext cx="646331" cy="369332"/>
+          </a:xfrm>
+          <a:prstGeom prst="rect">
+            <a:avLst/>
+          </a:prstGeom>
+        </p:spPr>
+        <p:style>
+          <a:lnRef idx="2">
+            <a:schemeClr val="dk1"/>
+          </a:lnRef>
+          <a:fillRef idx="1">
+            <a:schemeClr val="lt1"/>
+          </a:fillRef>
+          <a:effectRef idx="0">
+            <a:schemeClr val="dk1"/>
+          </a:effectRef>
+          <a:fontRef idx="minor">
+            <a:schemeClr val="dk1"/>
+          </a:fontRef>
+        </p:style>
+        <p:txBody>
+          <a:bodyPr wrap="none" rtlCol="0">
+            <a:spAutoFit/>
+          </a:bodyPr>
+          <a:lstStyle/>
+          <a:p>
+            <a:r>
+              <a:rPr kumimoji="1" lang="ja-JP" altLang="en-US" dirty="0" smtClean="0"/>
+              <a:t>変更</a:t>
+            </a:r>
+            <a:endParaRPr kumimoji="1" lang="ja-JP" altLang="en-US" dirty="0"/>
+          </a:p>
+        </p:txBody>
+      </p:sp>
+      <p:sp>
+        <p:nvSpPr>
+          <p:cNvPr id="15" name="テキスト ボックス 14"/>
+          <p:cNvSpPr txBox="1"/>
+          <p:nvPr/>
+        </p:nvSpPr>
+        <p:spPr>
+          <a:xfrm>
+            <a:off x="5338525" y="3349663"/>
+            <a:ext cx="646331" cy="369332"/>
+          </a:xfrm>
+          <a:prstGeom prst="rect">
+            <a:avLst/>
+          </a:prstGeom>
+        </p:spPr>
+        <p:style>
+          <a:lnRef idx="2">
+            <a:schemeClr val="dk1"/>
+          </a:lnRef>
+          <a:fillRef idx="1">
+            <a:schemeClr val="lt1"/>
+          </a:fillRef>
+          <a:effectRef idx="0">
+            <a:schemeClr val="dk1"/>
+          </a:effectRef>
+          <a:fontRef idx="minor">
+            <a:schemeClr val="dk1"/>
+          </a:fontRef>
+        </p:style>
+        <p:txBody>
+          <a:bodyPr wrap="none" rtlCol="0">
+            <a:spAutoFit/>
+          </a:bodyPr>
+          <a:lstStyle/>
+          <a:p>
+            <a:r>
+              <a:rPr kumimoji="1" lang="ja-JP" altLang="en-US" dirty="0"/>
+              <a:t>使用</a:t>
+            </a:r>
+          </a:p>
+        </p:txBody>
+      </p:sp>
+      <p:sp>
+        <p:nvSpPr>
+          <p:cNvPr id="17" name="正方形/長方形 16"/>
+          <p:cNvSpPr/>
+          <p:nvPr/>
+        </p:nvSpPr>
+        <p:spPr>
+          <a:xfrm>
+            <a:off x="3132000" y="4266731"/>
+            <a:ext cx="2880000" cy="1021134"/>
+          </a:xfrm>
+          <a:prstGeom prst="rect">
+            <a:avLst/>
+          </a:prstGeom>
+        </p:spPr>
+        <p:style>
+          <a:lnRef idx="2">
+            <a:schemeClr val="dk1"/>
+          </a:lnRef>
+          <a:fillRef idx="1">
+            <a:schemeClr val="lt1"/>
+          </a:fillRef>
+          <a:effectRef idx="0">
+            <a:schemeClr val="dk1"/>
+          </a:effectRef>
+          <a:fontRef idx="minor">
+            <a:schemeClr val="dk1"/>
+          </a:fontRef>
+        </p:style>
+        <p:txBody>
+          <a:bodyPr rtlCol="0" anchor="ctr"/>
+          <a:lstStyle/>
+          <a:p>
+            <a:pPr algn="ctr"/>
+            <a:endParaRPr kumimoji="1" lang="ja-JP" altLang="en-US"/>
+          </a:p>
+        </p:txBody>
+      </p:sp>
+      <p:sp>
+        <p:nvSpPr>
+          <p:cNvPr id="18" name="テキスト ボックス 17"/>
+          <p:cNvSpPr txBox="1"/>
+          <p:nvPr/>
+        </p:nvSpPr>
+        <p:spPr>
+          <a:xfrm>
+            <a:off x="3115357" y="4406952"/>
+            <a:ext cx="1628093" cy="646331"/>
+          </a:xfrm>
+          <a:prstGeom prst="rect">
+            <a:avLst/>
+          </a:prstGeom>
+          <a:noFill/>
+        </p:spPr>
+        <p:txBody>
+          <a:bodyPr wrap="square" rtlCol="0">
+            <a:spAutoFit/>
+          </a:bodyPr>
+          <a:lstStyle/>
+          <a:p>
+            <a:r>
+              <a:rPr kumimoji="1" lang="ja-JP" altLang="en-US" dirty="0" smtClean="0"/>
+              <a:t>プレイヤー３</a:t>
+            </a:r>
+            <a:endParaRPr kumimoji="1" lang="en-US" altLang="ja-JP" dirty="0" smtClean="0"/>
+          </a:p>
+          <a:p>
+            <a:r>
+              <a:rPr kumimoji="1" lang="en-US" altLang="ja-JP" dirty="0" smtClean="0"/>
+              <a:t>××</a:t>
+            </a:r>
+            <a:endParaRPr kumimoji="1" lang="ja-JP" altLang="en-US" dirty="0"/>
+          </a:p>
+        </p:txBody>
+      </p:sp>
+      <p:sp>
+        <p:nvSpPr>
+          <p:cNvPr id="19" name="テキスト ボックス 18"/>
+          <p:cNvSpPr txBox="1"/>
+          <p:nvPr/>
+        </p:nvSpPr>
+        <p:spPr>
+          <a:xfrm>
+            <a:off x="4668566" y="4369583"/>
+            <a:ext cx="646331" cy="369332"/>
+          </a:xfrm>
+          <a:prstGeom prst="rect">
+            <a:avLst/>
+          </a:prstGeom>
+        </p:spPr>
+        <p:style>
+          <a:lnRef idx="2">
+            <a:schemeClr val="dk1"/>
+          </a:lnRef>
+          <a:fillRef idx="1">
+            <a:schemeClr val="lt1"/>
+          </a:fillRef>
+          <a:effectRef idx="0">
+            <a:schemeClr val="dk1"/>
+          </a:effectRef>
+          <a:fontRef idx="minor">
+            <a:schemeClr val="dk1"/>
+          </a:fontRef>
+        </p:style>
+        <p:txBody>
+          <a:bodyPr wrap="none" rtlCol="0">
+            <a:spAutoFit/>
+          </a:bodyPr>
+          <a:lstStyle/>
+          <a:p>
+            <a:r>
+              <a:rPr kumimoji="1" lang="ja-JP" altLang="en-US" dirty="0" smtClean="0"/>
+              <a:t>変更</a:t>
+            </a:r>
+            <a:endParaRPr kumimoji="1" lang="ja-JP" altLang="en-US" dirty="0"/>
+          </a:p>
+        </p:txBody>
+      </p:sp>
+      <p:sp>
+        <p:nvSpPr>
+          <p:cNvPr id="20" name="テキスト ボックス 19"/>
+          <p:cNvSpPr txBox="1"/>
+          <p:nvPr/>
+        </p:nvSpPr>
+        <p:spPr>
+          <a:xfrm>
+            <a:off x="5338525" y="4369583"/>
+            <a:ext cx="646331" cy="369332"/>
+          </a:xfrm>
+          <a:prstGeom prst="rect">
+            <a:avLst/>
+          </a:prstGeom>
+        </p:spPr>
+        <p:style>
+          <a:lnRef idx="2">
+            <a:schemeClr val="dk1"/>
+          </a:lnRef>
+          <a:fillRef idx="1">
+            <a:schemeClr val="lt1"/>
+          </a:fillRef>
+          <a:effectRef idx="0">
+            <a:schemeClr val="dk1"/>
+          </a:effectRef>
+          <a:fontRef idx="minor">
+            <a:schemeClr val="dk1"/>
+          </a:fontRef>
+        </p:style>
+        <p:txBody>
+          <a:bodyPr wrap="none" rtlCol="0">
+            <a:spAutoFit/>
+          </a:bodyPr>
+          <a:lstStyle/>
+          <a:p>
+            <a:r>
+              <a:rPr kumimoji="1" lang="ja-JP" altLang="en-US" dirty="0"/>
+              <a:t>使用</a:t>
+            </a:r>
+          </a:p>
+        </p:txBody>
+      </p:sp>
+      <p:sp>
+        <p:nvSpPr>
+          <p:cNvPr id="22" name="テキスト ボックス 21"/>
+          <p:cNvSpPr txBox="1"/>
+          <p:nvPr/>
+        </p:nvSpPr>
+        <p:spPr>
+          <a:xfrm>
+            <a:off x="5057774" y="5650935"/>
+            <a:ext cx="646331" cy="369332"/>
+          </a:xfrm>
+          <a:prstGeom prst="rect">
+            <a:avLst/>
+          </a:prstGeom>
+        </p:spPr>
+        <p:style>
+          <a:lnRef idx="2">
+            <a:schemeClr val="dk1"/>
+          </a:lnRef>
+          <a:fillRef idx="1">
+            <a:schemeClr val="lt1"/>
+          </a:fillRef>
+          <a:effectRef idx="0">
+            <a:schemeClr val="dk1"/>
+          </a:effectRef>
+          <a:fontRef idx="minor">
+            <a:schemeClr val="dk1"/>
+          </a:fontRef>
+        </p:style>
+        <p:txBody>
+          <a:bodyPr wrap="none" rtlCol="0">
+            <a:spAutoFit/>
+          </a:bodyPr>
+          <a:lstStyle/>
+          <a:p>
+            <a:r>
+              <a:rPr kumimoji="1" lang="ja-JP" altLang="en-US" dirty="0" smtClean="0"/>
+              <a:t>復元</a:t>
+            </a:r>
+            <a:endParaRPr kumimoji="1" lang="ja-JP" altLang="en-US" dirty="0"/>
+          </a:p>
+        </p:txBody>
+      </p:sp>
+    </p:spTree>
+    <p:extLst>
+      <p:ext uri="{BB962C8B-B14F-4D97-AF65-F5344CB8AC3E}">
+        <p14:creationId xmlns:p14="http://schemas.microsoft.com/office/powerpoint/2010/main" val="1145142427"/>
+      </p:ext>
+    </p:extLst>
+  </p:cSld>
+  <p:clrMapOvr>
+    <a:masterClrMapping/>
+  </p:clrMapOvr>
+</p:sld>
+</file>
+
 <file path=ppt/theme/theme1.xml><?xml version="1.0" encoding="utf-8"?>
 <a:theme xmlns:a="http://schemas.openxmlformats.org/drawingml/2006/main" name="Office テーマ">
   <a:themeElements>
